--- a/translations/en-us/robots/Attachments.pptx
+++ b/translations/en-us/robots/Attachments.pptx
@@ -10,18 +10,24 @@
     <p:sldMasterId id="2147483895" r:id="rId6"/>
   </p:sldMasterIdLst>
   <p:notesMasterIdLst>
-    <p:notesMasterId r:id="rId13"/>
+    <p:notesMasterId r:id="rId19"/>
   </p:notesMasterIdLst>
   <p:handoutMasterIdLst>
-    <p:handoutMasterId r:id="rId14"/>
+    <p:handoutMasterId r:id="rId20"/>
   </p:handoutMasterIdLst>
   <p:sldIdLst>
     <p:sldId id="289" r:id="rId7"/>
     <p:sldId id="290" r:id="rId8"/>
     <p:sldId id="276" r:id="rId9"/>
     <p:sldId id="279" r:id="rId10"/>
-    <p:sldId id="291" r:id="rId11"/>
-    <p:sldId id="274" r:id="rId12"/>
+    <p:sldId id="292" r:id="rId11"/>
+    <p:sldId id="293" r:id="rId12"/>
+    <p:sldId id="294" r:id="rId13"/>
+    <p:sldId id="295" r:id="rId14"/>
+    <p:sldId id="296" r:id="rId15"/>
+    <p:sldId id="297" r:id="rId16"/>
+    <p:sldId id="291" r:id="rId17"/>
+    <p:sldId id="274" r:id="rId18"/>
   </p:sldIdLst>
   <p:sldSz cx="9144000" cy="6858000" type="screen4x3"/>
   <p:notesSz cx="6858000" cy="9144000"/>
@@ -221,7 +227,7 @@
           <a:p>
             <a:fld id="{E354B44E-40A3-0E46-B16A-9BF1250A248B}" type="datetimeFigureOut">
               <a:rPr lang="en-US" smtClean="0"/>
-              <a:t>7/5/16</a:t>
+              <a:t>7/13/16</a:t>
             </a:fld>
             <a:endParaRPr lang="en-US"/>
           </a:p>
@@ -387,7 +393,7 @@
           <a:p>
             <a:fld id="{C86AD16C-2DB4-6642-BAD4-9ED973A087A0}" type="datetimeFigureOut">
               <a:rPr lang="en-US" smtClean="0"/>
-              <a:t>7/5/16</a:t>
+              <a:t>7/13/16</a:t>
             </a:fld>
             <a:endParaRPr lang="en-US"/>
           </a:p>
@@ -721,7 +727,7 @@
           <a:p>
             <a:fld id="{1E5BF589-3978-3C45-966B-D7B7A71F2A02}" type="slidenum">
               <a:rPr lang="en-US" smtClean="0"/>
-              <a:t>6</a:t>
+              <a:t>12</a:t>
             </a:fld>
             <a:endParaRPr lang="en-US"/>
           </a:p>
@@ -933,7 +939,7 @@
           <a:p>
             <a:fld id="{4079049D-260D-7341-ACBB-7F6E88B670AF}" type="datetime1">
               <a:rPr lang="en-US" smtClean="0"/>
-              <a:t>7/5/16</a:t>
+              <a:t>7/13/16</a:t>
             </a:fld>
             <a:endParaRPr lang="en-US"/>
           </a:p>
@@ -1532,7 +1538,7 @@
           <a:p>
             <a:fld id="{D23FB13C-50E9-E247-B6CA-7FFE79A5F656}" type="datetime1">
               <a:rPr lang="en-US" smtClean="0"/>
-              <a:t>7/5/16</a:t>
+              <a:t>7/13/16</a:t>
             </a:fld>
             <a:endParaRPr lang="en-US"/>
           </a:p>
@@ -1716,7 +1722,7 @@
           <a:p>
             <a:fld id="{2240301C-C036-B244-8BEA-8C69B4259916}" type="datetime1">
               <a:rPr lang="en-US" smtClean="0"/>
-              <a:t>7/5/16</a:t>
+              <a:t>7/13/16</a:t>
             </a:fld>
             <a:endParaRPr lang="en-US"/>
           </a:p>
@@ -1933,7 +1939,7 @@
           <a:p>
             <a:fld id="{6D3B6815-494D-AC43-9B33-2F9570967BF1}" type="datetime1">
               <a:rPr lang="en-US" smtClean="0"/>
-              <a:t>7/5/16</a:t>
+              <a:t>7/13/16</a:t>
             </a:fld>
             <a:endParaRPr lang="en-US"/>
           </a:p>
@@ -2787,7 +2793,7 @@
           <a:p>
             <a:fld id="{8F36B86E-CFB1-CA4E-9DF9-B0CEC6E07421}" type="datetime1">
               <a:rPr lang="en-US" smtClean="0"/>
-              <a:t>7/5/16</a:t>
+              <a:t>7/13/16</a:t>
             </a:fld>
             <a:endParaRPr lang="en-US"/>
           </a:p>
@@ -3060,7 +3066,7 @@
           <a:p>
             <a:fld id="{CEB03A98-E1B0-3440-912D-EBE5F791588D}" type="datetime1">
               <a:rPr lang="en-US" smtClean="0"/>
-              <a:t>7/5/16</a:t>
+              <a:t>7/13/16</a:t>
             </a:fld>
             <a:endParaRPr lang="en-US"/>
           </a:p>
@@ -3365,7 +3371,7 @@
           <a:p>
             <a:fld id="{2AFAA2E9-D72B-AD48-AF1F-52A08EBA4303}" type="datetime1">
               <a:rPr lang="en-US" smtClean="0"/>
-              <a:t>7/5/16</a:t>
+              <a:t>7/13/16</a:t>
             </a:fld>
             <a:endParaRPr lang="en-US"/>
           </a:p>
@@ -3828,7 +3834,7 @@
           <a:p>
             <a:fld id="{962D5479-4DE8-6441-8AD0-9A685ACF12B8}" type="datetime1">
               <a:rPr lang="en-US" smtClean="0"/>
-              <a:t>7/5/16</a:t>
+              <a:t>7/13/16</a:t>
             </a:fld>
             <a:endParaRPr lang="en-US"/>
           </a:p>
@@ -3965,7 +3971,7 @@
           <a:p>
             <a:fld id="{66D21241-F89D-A94C-9EDF-69E3F40ABE0B}" type="datetime1">
               <a:rPr lang="en-US" smtClean="0"/>
-              <a:t>7/5/16</a:t>
+              <a:t>7/13/16</a:t>
             </a:fld>
             <a:endParaRPr lang="en-US"/>
           </a:p>
@@ -4079,7 +4085,7 @@
           <a:p>
             <a:fld id="{D3DC5F3B-56FA-F546-A574-CF6D118384F4}" type="datetime1">
               <a:rPr lang="en-US" smtClean="0"/>
-              <a:t>7/5/16</a:t>
+              <a:t>7/13/16</a:t>
             </a:fld>
             <a:endParaRPr lang="en-US"/>
           </a:p>
@@ -4338,7 +4344,7 @@
           <a:p>
             <a:fld id="{3BC196E9-40E7-7B40-BAB3-173E3286BBA4}" type="datetime1">
               <a:rPr lang="en-US" smtClean="0"/>
-              <a:t>7/5/16</a:t>
+              <a:t>7/13/16</a:t>
             </a:fld>
             <a:endParaRPr lang="en-US"/>
           </a:p>
@@ -4553,7 +4559,7 @@
           <a:p>
             <a:fld id="{2B4934FA-BB7E-FA4B-8587-3422606245F1}" type="datetime1">
               <a:rPr lang="en-US" smtClean="0"/>
-              <a:t>7/5/16</a:t>
+              <a:t>7/13/16</a:t>
             </a:fld>
             <a:endParaRPr lang="en-US"/>
           </a:p>
@@ -4838,7 +4844,7 @@
           <a:p>
             <a:fld id="{36F29019-D865-2D41-8B16-2696D9E9FF36}" type="datetime1">
               <a:rPr lang="en-US" smtClean="0"/>
-              <a:t>7/5/16</a:t>
+              <a:t>7/13/16</a:t>
             </a:fld>
             <a:endParaRPr lang="en-US"/>
           </a:p>
@@ -5108,7 +5114,7 @@
           <a:p>
             <a:fld id="{3869518C-F8F8-2041-85CC-55BAE734FAC4}" type="datetime1">
               <a:rPr lang="en-US" smtClean="0"/>
-              <a:t>7/5/16</a:t>
+              <a:t>7/13/16</a:t>
             </a:fld>
             <a:endParaRPr lang="en-US"/>
           </a:p>
@@ -5300,7 +5306,7 @@
           <a:p>
             <a:fld id="{D79CF100-C690-2548-A59E-01C6F77806AD}" type="datetime1">
               <a:rPr lang="en-US" smtClean="0"/>
-              <a:t>7/5/16</a:t>
+              <a:t>7/13/16</a:t>
             </a:fld>
             <a:endParaRPr lang="en-US"/>
           </a:p>
@@ -5504,7 +5510,7 @@
           <a:p>
             <a:fld id="{EA1ECE0B-6ABC-9D4A-9944-BE4084483D31}" type="datetime1">
               <a:rPr lang="en-US" smtClean="0"/>
-              <a:t>7/5/16</a:t>
+              <a:t>7/13/16</a:t>
             </a:fld>
             <a:endParaRPr lang="en-US"/>
           </a:p>
@@ -5678,7 +5684,7 @@
           <a:p>
             <a:fld id="{50808BD0-9C32-4C4B-B66B-306A9F13CF20}" type="datetime1">
               <a:rPr lang="en-US" smtClean="0"/>
-              <a:t>7/5/16</a:t>
+              <a:t>7/13/16</a:t>
             </a:fld>
             <a:endParaRPr lang="en-US"/>
           </a:p>
@@ -5928,7 +5934,7 @@
           <a:p>
             <a:fld id="{B81C913E-2851-A740-B3FD-F42F7400D340}" type="datetime1">
               <a:rPr lang="en-US" smtClean="0"/>
-              <a:t>7/5/16</a:t>
+              <a:t>7/13/16</a:t>
             </a:fld>
             <a:endParaRPr lang="en-US"/>
           </a:p>
@@ -6164,7 +6170,7 @@
           <a:p>
             <a:fld id="{53138FCE-A927-3844-9E3B-6083AB9AF783}" type="datetime1">
               <a:rPr lang="en-US" smtClean="0"/>
-              <a:t>7/5/16</a:t>
+              <a:t>7/13/16</a:t>
             </a:fld>
             <a:endParaRPr lang="en-US"/>
           </a:p>
@@ -6535,7 +6541,7 @@
           <a:p>
             <a:fld id="{589B6342-05E0-2B4D-B337-0AEB5C7EAB24}" type="datetime1">
               <a:rPr lang="en-US" smtClean="0"/>
-              <a:t>7/5/16</a:t>
+              <a:t>7/13/16</a:t>
             </a:fld>
             <a:endParaRPr lang="en-US"/>
           </a:p>
@@ -6657,7 +6663,7 @@
           <a:p>
             <a:fld id="{3737DE53-9418-984B-93FC-8DAE115B31D6}" type="datetime1">
               <a:rPr lang="en-US" smtClean="0"/>
-              <a:t>7/5/16</a:t>
+              <a:t>7/13/16</a:t>
             </a:fld>
             <a:endParaRPr lang="en-US"/>
           </a:p>
@@ -6756,7 +6762,7 @@
           <a:p>
             <a:fld id="{94564570-A037-2046-98C9-DB89177DA9ED}" type="datetime1">
               <a:rPr lang="en-US" smtClean="0"/>
-              <a:t>7/5/16</a:t>
+              <a:t>7/13/16</a:t>
             </a:fld>
             <a:endParaRPr lang="en-US"/>
           </a:p>
@@ -7014,7 +7020,7 @@
           <a:p>
             <a:fld id="{334090C8-B0EE-A244-98D0-35D20CF27A35}" type="datetime1">
               <a:rPr lang="en-US" smtClean="0"/>
-              <a:t>7/5/16</a:t>
+              <a:t>7/13/16</a:t>
             </a:fld>
             <a:endParaRPr lang="en-US"/>
           </a:p>
@@ -7295,7 +7301,7 @@
           <a:p>
             <a:fld id="{F63AA431-089C-8B4C-A74D-9FDFCF7A4A50}" type="datetime1">
               <a:rPr lang="en-US" smtClean="0"/>
-              <a:t>7/5/16</a:t>
+              <a:t>7/13/16</a:t>
             </a:fld>
             <a:endParaRPr lang="en-US"/>
           </a:p>
@@ -7556,7 +7562,7 @@
           <a:p>
             <a:fld id="{ADA3F11B-1739-D449-BD5E-3D05E6951917}" type="datetime1">
               <a:rPr lang="en-US" smtClean="0"/>
-              <a:t>7/5/16</a:t>
+              <a:t>7/13/16</a:t>
             </a:fld>
             <a:endParaRPr lang="en-US"/>
           </a:p>
@@ -7730,7 +7736,7 @@
           <a:p>
             <a:fld id="{F50FABB1-8177-344A-9D50-C38771FF47C7}" type="datetime1">
               <a:rPr lang="en-US" smtClean="0"/>
-              <a:t>7/5/16</a:t>
+              <a:t>7/13/16</a:t>
             </a:fld>
             <a:endParaRPr lang="en-US"/>
           </a:p>
@@ -7914,7 +7920,7 @@
           <a:p>
             <a:fld id="{64568BC6-E711-6D40-AB8F-60352FB91331}" type="datetime1">
               <a:rPr lang="en-US" smtClean="0"/>
-              <a:t>7/5/16</a:t>
+              <a:t>7/13/16</a:t>
             </a:fld>
             <a:endParaRPr lang="en-US"/>
           </a:p>
@@ -8172,7 +8178,7 @@
           <a:p>
             <a:fld id="{6D3B6815-494D-AC43-9B33-2F9570967BF1}" type="datetime1">
               <a:rPr lang="en-US" smtClean="0"/>
-              <a:t>7/5/16</a:t>
+              <a:t>7/13/16</a:t>
             </a:fld>
             <a:endParaRPr lang="en-US"/>
           </a:p>
@@ -9198,7 +9204,7 @@
           <a:p>
             <a:fld id="{8F36B86E-CFB1-CA4E-9DF9-B0CEC6E07421}" type="datetime1">
               <a:rPr lang="en-US" smtClean="0"/>
-              <a:t>7/5/16</a:t>
+              <a:t>7/13/16</a:t>
             </a:fld>
             <a:endParaRPr lang="en-US"/>
           </a:p>
@@ -9461,7 +9467,7 @@
           <a:p>
             <a:fld id="{CEB03A98-E1B0-3440-912D-EBE5F791588D}" type="datetime1">
               <a:rPr lang="en-US" smtClean="0"/>
-              <a:t>7/5/16</a:t>
+              <a:t>7/13/16</a:t>
             </a:fld>
             <a:endParaRPr lang="en-US"/>
           </a:p>
@@ -9758,7 +9764,7 @@
           <a:p>
             <a:fld id="{2AFAA2E9-D72B-AD48-AF1F-52A08EBA4303}" type="datetime1">
               <a:rPr lang="en-US" smtClean="0"/>
-              <a:t>7/5/16</a:t>
+              <a:t>7/13/16</a:t>
             </a:fld>
             <a:endParaRPr lang="en-US"/>
           </a:p>
@@ -10206,7 +10212,7 @@
           <a:p>
             <a:fld id="{962D5479-4DE8-6441-8AD0-9A685ACF12B8}" type="datetime1">
               <a:rPr lang="en-US" smtClean="0"/>
-              <a:t>7/5/16</a:t>
+              <a:t>7/13/16</a:t>
             </a:fld>
             <a:endParaRPr lang="en-US"/>
           </a:p>
@@ -10328,7 +10334,7 @@
           <a:p>
             <a:fld id="{66D21241-F89D-A94C-9EDF-69E3F40ABE0B}" type="datetime1">
               <a:rPr lang="en-US" smtClean="0"/>
-              <a:t>7/5/16</a:t>
+              <a:t>7/13/16</a:t>
             </a:fld>
             <a:endParaRPr lang="en-US"/>
           </a:p>
@@ -10625,7 +10631,7 @@
           <a:p>
             <a:fld id="{4A217A00-D458-E548-BA55-8E7DD7AEB72C}" type="datetime1">
               <a:rPr lang="en-US" smtClean="0"/>
-              <a:t>7/5/16</a:t>
+              <a:t>7/13/16</a:t>
             </a:fld>
             <a:endParaRPr lang="en-US"/>
           </a:p>
@@ -10724,7 +10730,7 @@
           <a:p>
             <a:fld id="{D3DC5F3B-56FA-F546-A574-CF6D118384F4}" type="datetime1">
               <a:rPr lang="en-US" smtClean="0"/>
-              <a:t>7/5/16</a:t>
+              <a:t>7/13/16</a:t>
             </a:fld>
             <a:endParaRPr lang="en-US"/>
           </a:p>
@@ -10975,7 +10981,7 @@
           <a:p>
             <a:fld id="{3BC196E9-40E7-7B40-BAB3-173E3286BBA4}" type="datetime1">
               <a:rPr lang="en-US" smtClean="0"/>
-              <a:t>7/5/16</a:t>
+              <a:t>7/13/16</a:t>
             </a:fld>
             <a:endParaRPr lang="en-US"/>
           </a:p>
@@ -11278,7 +11284,7 @@
           <a:p>
             <a:fld id="{36F29019-D865-2D41-8B16-2696D9E9FF36}" type="datetime1">
               <a:rPr lang="en-US" smtClean="0"/>
-              <a:t>7/5/16</a:t>
+              <a:t>7/13/16</a:t>
             </a:fld>
             <a:endParaRPr lang="en-US"/>
           </a:p>
@@ -11540,7 +11546,7 @@
           <a:p>
             <a:fld id="{3869518C-F8F8-2041-85CC-55BAE734FAC4}" type="datetime1">
               <a:rPr lang="en-US" smtClean="0"/>
-              <a:t>7/5/16</a:t>
+              <a:t>7/13/16</a:t>
             </a:fld>
             <a:endParaRPr lang="en-US"/>
           </a:p>
@@ -11724,7 +11730,7 @@
           <a:p>
             <a:fld id="{D79CF100-C690-2548-A59E-01C6F77806AD}" type="datetime1">
               <a:rPr lang="en-US" smtClean="0"/>
-              <a:t>7/5/16</a:t>
+              <a:t>7/13/16</a:t>
             </a:fld>
             <a:endParaRPr lang="en-US"/>
           </a:p>
@@ -11941,7 +11947,7 @@
           <a:p>
             <a:fld id="{6D3B6815-494D-AC43-9B33-2F9570967BF1}" type="datetime1">
               <a:rPr lang="en-US" smtClean="0"/>
-              <a:t>7/5/16</a:t>
+              <a:t>7/13/16</a:t>
             </a:fld>
             <a:endParaRPr lang="en-US"/>
           </a:p>
@@ -13212,7 +13218,7 @@
           <a:p>
             <a:fld id="{8F36B86E-CFB1-CA4E-9DF9-B0CEC6E07421}" type="datetime1">
               <a:rPr lang="en-US" smtClean="0"/>
-              <a:t>7/5/16</a:t>
+              <a:t>7/13/16</a:t>
             </a:fld>
             <a:endParaRPr lang="en-US"/>
           </a:p>
@@ -13485,7 +13491,7 @@
           <a:p>
             <a:fld id="{CEB03A98-E1B0-3440-912D-EBE5F791588D}" type="datetime1">
               <a:rPr lang="en-US" smtClean="0"/>
-              <a:t>7/5/16</a:t>
+              <a:t>7/13/16</a:t>
             </a:fld>
             <a:endParaRPr lang="en-US"/>
           </a:p>
@@ -13790,7 +13796,7 @@
           <a:p>
             <a:fld id="{2AFAA2E9-D72B-AD48-AF1F-52A08EBA4303}" type="datetime1">
               <a:rPr lang="en-US" smtClean="0"/>
-              <a:t>7/5/16</a:t>
+              <a:t>7/13/16</a:t>
             </a:fld>
             <a:endParaRPr lang="en-US"/>
           </a:p>
@@ -14253,7 +14259,7 @@
           <a:p>
             <a:fld id="{962D5479-4DE8-6441-8AD0-9A685ACF12B8}" type="datetime1">
               <a:rPr lang="en-US" smtClean="0"/>
-              <a:t>7/5/16</a:t>
+              <a:t>7/13/16</a:t>
             </a:fld>
             <a:endParaRPr lang="en-US"/>
           </a:p>
@@ -14716,7 +14722,7 @@
           <a:p>
             <a:fld id="{3B8D6C54-E6E7-A646-88ED-0E29FF59BEF7}" type="datetime1">
               <a:rPr lang="en-US" smtClean="0"/>
-              <a:t>7/5/16</a:t>
+              <a:t>7/13/16</a:t>
             </a:fld>
             <a:endParaRPr lang="en-US"/>
           </a:p>
@@ -14838,7 +14844,7 @@
           <a:p>
             <a:fld id="{66D21241-F89D-A94C-9EDF-69E3F40ABE0B}" type="datetime1">
               <a:rPr lang="en-US" smtClean="0"/>
-              <a:t>7/5/16</a:t>
+              <a:t>7/13/16</a:t>
             </a:fld>
             <a:endParaRPr lang="en-US"/>
           </a:p>
@@ -14952,7 +14958,7 @@
           <a:p>
             <a:fld id="{D3DC5F3B-56FA-F546-A574-CF6D118384F4}" type="datetime1">
               <a:rPr lang="en-US" smtClean="0"/>
-              <a:t>7/5/16</a:t>
+              <a:t>7/13/16</a:t>
             </a:fld>
             <a:endParaRPr lang="en-US"/>
           </a:p>
@@ -15211,7 +15217,7 @@
           <a:p>
             <a:fld id="{3BC196E9-40E7-7B40-BAB3-173E3286BBA4}" type="datetime1">
               <a:rPr lang="en-US" smtClean="0"/>
-              <a:t>7/5/16</a:t>
+              <a:t>7/13/16</a:t>
             </a:fld>
             <a:endParaRPr lang="en-US"/>
           </a:p>
@@ -15522,7 +15528,7 @@
           <a:p>
             <a:fld id="{36F29019-D865-2D41-8B16-2696D9E9FF36}" type="datetime1">
               <a:rPr lang="en-US" smtClean="0"/>
-              <a:t>7/5/16</a:t>
+              <a:t>7/13/16</a:t>
             </a:fld>
             <a:endParaRPr lang="en-US"/>
           </a:p>
@@ -15792,7 +15798,7 @@
           <a:p>
             <a:fld id="{3869518C-F8F8-2041-85CC-55BAE734FAC4}" type="datetime1">
               <a:rPr lang="en-US" smtClean="0"/>
-              <a:t>7/5/16</a:t>
+              <a:t>7/13/16</a:t>
             </a:fld>
             <a:endParaRPr lang="en-US"/>
           </a:p>
@@ -15984,7 +15990,7 @@
           <a:p>
             <a:fld id="{D79CF100-C690-2548-A59E-01C6F77806AD}" type="datetime1">
               <a:rPr lang="en-US" smtClean="0"/>
-              <a:t>7/5/16</a:t>
+              <a:t>7/13/16</a:t>
             </a:fld>
             <a:endParaRPr lang="en-US"/>
           </a:p>
@@ -16188,7 +16194,7 @@
           <a:p>
             <a:fld id="{EA1ECE0B-6ABC-9D4A-9944-BE4084483D31}" type="datetime1">
               <a:rPr lang="en-US" smtClean="0"/>
-              <a:t>7/5/16</a:t>
+              <a:t>7/13/16</a:t>
             </a:fld>
             <a:endParaRPr lang="en-US"/>
           </a:p>
@@ -16362,7 +16368,7 @@
           <a:p>
             <a:fld id="{50808BD0-9C32-4C4B-B66B-306A9F13CF20}" type="datetime1">
               <a:rPr lang="en-US" smtClean="0"/>
-              <a:t>7/5/16</a:t>
+              <a:t>7/13/16</a:t>
             </a:fld>
             <a:endParaRPr lang="en-US"/>
           </a:p>
@@ -16612,7 +16618,7 @@
           <a:p>
             <a:fld id="{B81C913E-2851-A740-B3FD-F42F7400D340}" type="datetime1">
               <a:rPr lang="en-US" smtClean="0"/>
-              <a:t>7/5/16</a:t>
+              <a:t>7/13/16</a:t>
             </a:fld>
             <a:endParaRPr lang="en-US"/>
           </a:p>
@@ -16848,7 +16854,7 @@
           <a:p>
             <a:fld id="{53138FCE-A927-3844-9E3B-6083AB9AF783}" type="datetime1">
               <a:rPr lang="en-US" smtClean="0"/>
-              <a:t>7/5/16</a:t>
+              <a:t>7/13/16</a:t>
             </a:fld>
             <a:endParaRPr lang="en-US"/>
           </a:p>
@@ -16970,7 +16976,7 @@
           <a:p>
             <a:fld id="{5511632D-9F04-504B-9AAB-DF12FBEEFF0F}" type="datetime1">
               <a:rPr lang="en-US" smtClean="0"/>
-              <a:t>7/5/16</a:t>
+              <a:t>7/13/16</a:t>
             </a:fld>
             <a:endParaRPr lang="en-US"/>
           </a:p>
@@ -17341,7 +17347,7 @@
           <a:p>
             <a:fld id="{589B6342-05E0-2B4D-B337-0AEB5C7EAB24}" type="datetime1">
               <a:rPr lang="en-US" smtClean="0"/>
-              <a:t>7/5/16</a:t>
+              <a:t>7/13/16</a:t>
             </a:fld>
             <a:endParaRPr lang="en-US"/>
           </a:p>
@@ -17463,7 +17469,7 @@
           <a:p>
             <a:fld id="{3737DE53-9418-984B-93FC-8DAE115B31D6}" type="datetime1">
               <a:rPr lang="en-US" smtClean="0"/>
-              <a:t>7/5/16</a:t>
+              <a:t>7/13/16</a:t>
             </a:fld>
             <a:endParaRPr lang="en-US"/>
           </a:p>
@@ -17562,7 +17568,7 @@
           <a:p>
             <a:fld id="{94564570-A037-2046-98C9-DB89177DA9ED}" type="datetime1">
               <a:rPr lang="en-US" smtClean="0"/>
-              <a:t>7/5/16</a:t>
+              <a:t>7/13/16</a:t>
             </a:fld>
             <a:endParaRPr lang="en-US"/>
           </a:p>
@@ -17843,7 +17849,7 @@
           <a:p>
             <a:fld id="{F63AA431-089C-8B4C-A74D-9FDFCF7A4A50}" type="datetime1">
               <a:rPr lang="en-US" smtClean="0"/>
-              <a:t>7/5/16</a:t>
+              <a:t>7/13/16</a:t>
             </a:fld>
             <a:endParaRPr lang="en-US"/>
           </a:p>
@@ -18104,7 +18110,7 @@
           <a:p>
             <a:fld id="{ADA3F11B-1739-D449-BD5E-3D05E6951917}" type="datetime1">
               <a:rPr lang="en-US" smtClean="0"/>
-              <a:t>7/5/16</a:t>
+              <a:t>7/13/16</a:t>
             </a:fld>
             <a:endParaRPr lang="en-US"/>
           </a:p>
@@ -18278,7 +18284,7 @@
           <a:p>
             <a:fld id="{F50FABB1-8177-344A-9D50-C38771FF47C7}" type="datetime1">
               <a:rPr lang="en-US" smtClean="0"/>
-              <a:t>7/5/16</a:t>
+              <a:t>7/13/16</a:t>
             </a:fld>
             <a:endParaRPr lang="en-US"/>
           </a:p>
@@ -18462,7 +18468,7 @@
           <a:p>
             <a:fld id="{64568BC6-E711-6D40-AB8F-60352FB91331}" type="datetime1">
               <a:rPr lang="en-US" smtClean="0"/>
-              <a:t>7/5/16</a:t>
+              <a:t>7/13/16</a:t>
             </a:fld>
             <a:endParaRPr lang="en-US"/>
           </a:p>
@@ -18561,7 +18567,7 @@
           <a:p>
             <a:fld id="{8A737330-94DB-DB4A-AE39-2D4C6E03B34B}" type="datetime1">
               <a:rPr lang="en-US" smtClean="0"/>
-              <a:t>7/5/16</a:t>
+              <a:t>7/13/16</a:t>
             </a:fld>
             <a:endParaRPr lang="en-US"/>
           </a:p>
@@ -18812,7 +18818,7 @@
           <a:p>
             <a:fld id="{BC1032C1-C631-FC47-BD14-B0D0AE380CAE}" type="datetime1">
               <a:rPr lang="en-US" smtClean="0"/>
-              <a:t>7/5/16</a:t>
+              <a:t>7/13/16</a:t>
             </a:fld>
             <a:endParaRPr lang="en-US"/>
           </a:p>
@@ -19115,7 +19121,7 @@
           <a:p>
             <a:fld id="{F5032A17-01AF-B84B-A814-B012C11277F9}" type="datetime1">
               <a:rPr lang="en-US" smtClean="0"/>
-              <a:t>7/5/16</a:t>
+              <a:t>7/13/16</a:t>
             </a:fld>
             <a:endParaRPr lang="en-US"/>
           </a:p>
@@ -19418,7 +19424,7 @@
           <a:p>
             <a:fld id="{63D44B9E-AC04-6549-B7EE-7B0A41CF751B}" type="datetime1">
               <a:rPr lang="en-US" smtClean="0"/>
-              <a:t>7/5/16</a:t>
+              <a:t>7/13/16</a:t>
             </a:fld>
             <a:endParaRPr lang="en-US"/>
           </a:p>
@@ -20371,7 +20377,7 @@
           <a:p>
             <a:fld id="{692EBBD4-7984-D84D-B013-2DE21F9AA31A}" type="datetime1">
               <a:rPr lang="en-US" smtClean="0"/>
-              <a:t>7/5/16</a:t>
+              <a:t>7/13/16</a:t>
             </a:fld>
             <a:endParaRPr lang="en-US"/>
           </a:p>
@@ -21439,7 +21445,7 @@
           <a:p>
             <a:fld id="{9551B5F9-1EB9-5146-A0A2-D543FBB3141E}" type="datetime1">
               <a:rPr lang="en-US" smtClean="0"/>
-              <a:t>7/5/16</a:t>
+              <a:t>7/13/16</a:t>
             </a:fld>
             <a:endParaRPr lang="en-US"/>
           </a:p>
@@ -21982,7 +21988,7 @@
           <a:p>
             <a:fld id="{63D44B9E-AC04-6549-B7EE-7B0A41CF751B}" type="datetime1">
               <a:rPr lang="en-US" smtClean="0"/>
-              <a:t>7/5/16</a:t>
+              <a:t>7/13/16</a:t>
             </a:fld>
             <a:endParaRPr lang="en-US"/>
           </a:p>
@@ -23352,7 +23358,7 @@
           <a:p>
             <a:fld id="{692EBBD4-7984-D84D-B013-2DE21F9AA31A}" type="datetime1">
               <a:rPr lang="en-US" smtClean="0"/>
-              <a:t>7/5/16</a:t>
+              <a:t>7/13/16</a:t>
             </a:fld>
             <a:endParaRPr lang="en-US"/>
           </a:p>
@@ -24442,7 +24448,7 @@
           <a:p>
             <a:fld id="{9551B5F9-1EB9-5146-A0A2-D543FBB3141E}" type="datetime1">
               <a:rPr lang="en-US" smtClean="0"/>
-              <a:t>7/5/16</a:t>
+              <a:t>7/13/16</a:t>
             </a:fld>
             <a:endParaRPr lang="en-US"/>
           </a:p>
@@ -24912,7 +24918,147 @@
 </p:sld>
 </file>
 
-<file path=ppt/slides/slide2.xml><?xml version="1.0" encoding="utf-8"?>
+<file path=ppt/slides/slide10.xml><?xml version="1.0" encoding="utf-8"?>
+<p:sld xmlns:a="http://schemas.openxmlformats.org/drawingml/2006/main" xmlns:r="http://schemas.openxmlformats.org/officeDocument/2006/relationships" xmlns:p="http://schemas.openxmlformats.org/presentationml/2006/main" show="0">
+  <p:cSld>
+    <p:spTree>
+      <p:nvGrpSpPr>
+        <p:cNvPr id="1" name=""/>
+        <p:cNvGrpSpPr/>
+        <p:nvPr/>
+      </p:nvGrpSpPr>
+      <p:grpSpPr>
+        <a:xfrm>
+          <a:off x="0" y="0"/>
+          <a:ext cx="0" cy="0"/>
+          <a:chOff x="0" y="0"/>
+          <a:chExt cx="0" cy="0"/>
+        </a:xfrm>
+      </p:grpSpPr>
+      <p:sp>
+        <p:nvSpPr>
+          <p:cNvPr id="2" name="Title 1"/>
+          <p:cNvSpPr>
+            <a:spLocks noGrp="1"/>
+          </p:cNvSpPr>
+          <p:nvPr>
+            <p:ph type="title"/>
+          </p:nvPr>
+        </p:nvSpPr>
+        <p:spPr/>
+        <p:txBody>
+          <a:bodyPr/>
+          <a:lstStyle/>
+          <a:p>
+            <a:r>
+              <a:rPr lang="en-US" dirty="0" smtClean="0"/>
+              <a:t>Reaching </a:t>
+            </a:r>
+            <a:r>
+              <a:rPr lang="en-US" dirty="0" smtClean="0"/>
+              <a:t>out DELETE</a:t>
+            </a:r>
+            <a:endParaRPr lang="en-US" dirty="0"/>
+          </a:p>
+        </p:txBody>
+      </p:sp>
+      <p:pic>
+        <p:nvPicPr>
+          <p:cNvPr id="6" name="Content Placeholder 5"/>
+          <p:cNvPicPr>
+            <a:picLocks noGrp="1" noChangeAspect="1"/>
+          </p:cNvPicPr>
+          <p:nvPr>
+            <p:ph idx="1"/>
+          </p:nvPr>
+        </p:nvPicPr>
+        <p:blipFill>
+          <a:blip r:embed="rId2" cstate="print">
+            <a:extLst>
+              <a:ext uri="{28A0092B-C50C-407E-A947-70E740481C1C}">
+                <a14:useLocalDpi xmlns:a14="http://schemas.microsoft.com/office/drawing/2010/main" val="0"/>
+              </a:ext>
+            </a:extLst>
+          </a:blip>
+          <a:stretch>
+            <a:fillRect/>
+          </a:stretch>
+        </p:blipFill>
+        <p:spPr>
+          <a:xfrm>
+            <a:off x="2186931" y="1821815"/>
+            <a:ext cx="6581783" cy="4373563"/>
+          </a:xfrm>
+        </p:spPr>
+      </p:pic>
+      <p:sp>
+        <p:nvSpPr>
+          <p:cNvPr id="4" name="Footer Placeholder 3"/>
+          <p:cNvSpPr>
+            <a:spLocks noGrp="1"/>
+          </p:cNvSpPr>
+          <p:nvPr>
+            <p:ph type="ftr" sz="quarter" idx="11"/>
+          </p:nvPr>
+        </p:nvSpPr>
+        <p:spPr/>
+        <p:txBody>
+          <a:bodyPr/>
+          <a:lstStyle/>
+          <a:p>
+            <a:r>
+              <a:rPr lang="sk-SK" smtClean="0"/>
+              <a:t>© 2016 EV3Lessons.com, Last Edit 7/04/2016</a:t>
+            </a:r>
+            <a:endParaRPr lang="en-US"/>
+          </a:p>
+        </p:txBody>
+      </p:sp>
+      <p:sp>
+        <p:nvSpPr>
+          <p:cNvPr id="5" name="Slide Number Placeholder 4"/>
+          <p:cNvSpPr>
+            <a:spLocks noGrp="1"/>
+          </p:cNvSpPr>
+          <p:nvPr>
+            <p:ph type="sldNum" sz="quarter" idx="12"/>
+          </p:nvPr>
+        </p:nvSpPr>
+        <p:spPr/>
+        <p:txBody>
+          <a:bodyPr/>
+          <a:lstStyle/>
+          <a:p>
+            <a:fld id="{4DBC7FC8-25FB-FC45-8177-2B991DA6778C}" type="slidenum">
+              <a:rPr lang="en-US" smtClean="0"/>
+              <a:t>10</a:t>
+            </a:fld>
+            <a:endParaRPr lang="en-US" dirty="0"/>
+          </a:p>
+        </p:txBody>
+      </p:sp>
+    </p:spTree>
+    <p:extLst>
+      <p:ext uri="{BB962C8B-B14F-4D97-AF65-F5344CB8AC3E}">
+        <p14:creationId xmlns:p14="http://schemas.microsoft.com/office/powerpoint/2010/main" val="361181813"/>
+      </p:ext>
+    </p:extLst>
+  </p:cSld>
+  <p:clrMapOvr>
+    <a:masterClrMapping/>
+  </p:clrMapOvr>
+  <mc:AlternateContent xmlns:mc="http://schemas.openxmlformats.org/markup-compatibility/2006">
+    <mc:Choice xmlns:p14="http://schemas.microsoft.com/office/powerpoint/2010/main" Requires="p14">
+      <p:transition spd="slow" p14:dur="2000"/>
+    </mc:Choice>
+    <mc:Fallback>
+      <p:transition spd="slow"/>
+    </mc:Fallback>
+  </mc:AlternateContent>
+</p:sld>
+</file>
+
+<file path=ppt/slides/slide11.xml><?xml version="1.0" encoding="utf-8"?>
 <p:sld xmlns:a="http://schemas.openxmlformats.org/drawingml/2006/main" xmlns:r="http://schemas.openxmlformats.org/officeDocument/2006/relationships" xmlns:p="http://schemas.openxmlformats.org/presentationml/2006/main">
   <p:cSld>
     <p:spTree>
@@ -24946,752 +25092,6 @@
           <a:p>
             <a:r>
               <a:rPr lang="en-US" dirty="0" smtClean="0"/>
-              <a:t>What is an attachment?</a:t>
-            </a:r>
-            <a:endParaRPr lang="en-US" dirty="0"/>
-          </a:p>
-        </p:txBody>
-      </p:sp>
-      <p:sp>
-        <p:nvSpPr>
-          <p:cNvPr id="3" name="Content Placeholder 2"/>
-          <p:cNvSpPr>
-            <a:spLocks noGrp="1"/>
-          </p:cNvSpPr>
-          <p:nvPr>
-            <p:ph idx="1"/>
-          </p:nvPr>
-        </p:nvSpPr>
-        <p:spPr>
-          <a:xfrm>
-            <a:off x="457200" y="1752600"/>
-            <a:ext cx="5166986" cy="4373563"/>
-          </a:xfrm>
-        </p:spPr>
-        <p:txBody>
-          <a:bodyPr/>
-          <a:lstStyle/>
-          <a:p>
-            <a:pPr marL="342900" indent="-342900">
-              <a:buFont typeface="Arial" charset="0"/>
-              <a:buChar char="•"/>
-            </a:pPr>
-            <a:r>
-              <a:rPr lang="en-US" dirty="0" smtClean="0"/>
-              <a:t>A mechanism you build that can assist your robot in accomplishing a task(e.g. pick up an object, drop off an object)</a:t>
-            </a:r>
-          </a:p>
-          <a:p>
-            <a:pPr marL="342900" indent="-342900">
-              <a:buFont typeface="Arial" charset="0"/>
-              <a:buChar char="•"/>
-            </a:pPr>
-            <a:r>
-              <a:rPr lang="en-US" dirty="0" smtClean="0"/>
-              <a:t>This mechanism is “attached” to the base robot </a:t>
-            </a:r>
-          </a:p>
-          <a:p>
-            <a:pPr marL="342900" indent="-342900">
-              <a:buFont typeface="Arial" charset="0"/>
-              <a:buChar char="•"/>
-            </a:pPr>
-            <a:r>
-              <a:rPr lang="en-US" dirty="0" smtClean="0"/>
-              <a:t>For a competition robot, the goal is to design attachments that work consistently every time you run the robot and also take up the least amount of time and space</a:t>
-            </a:r>
-          </a:p>
-        </p:txBody>
-      </p:sp>
-      <p:sp>
-        <p:nvSpPr>
-          <p:cNvPr id="4" name="Footer Placeholder 3"/>
-          <p:cNvSpPr>
-            <a:spLocks noGrp="1"/>
-          </p:cNvSpPr>
-          <p:nvPr>
-            <p:ph type="ftr" sz="quarter" idx="11"/>
-          </p:nvPr>
-        </p:nvSpPr>
-        <p:spPr/>
-        <p:txBody>
-          <a:bodyPr/>
-          <a:lstStyle/>
-          <a:p>
-            <a:r>
-              <a:rPr lang="sk-SK" smtClean="0"/>
-              <a:t>© 2016 EV3Lessons.com, Last Edit 7/04/2016</a:t>
-            </a:r>
-            <a:endParaRPr lang="en-US"/>
-          </a:p>
-        </p:txBody>
-      </p:sp>
-      <p:sp>
-        <p:nvSpPr>
-          <p:cNvPr id="5" name="Slide Number Placeholder 4"/>
-          <p:cNvSpPr>
-            <a:spLocks noGrp="1"/>
-          </p:cNvSpPr>
-          <p:nvPr>
-            <p:ph type="sldNum" sz="quarter" idx="12"/>
-          </p:nvPr>
-        </p:nvSpPr>
-        <p:spPr/>
-        <p:txBody>
-          <a:bodyPr/>
-          <a:lstStyle/>
-          <a:p>
-            <a:fld id="{4DBC7FC8-25FB-FC45-8177-2B991DA6778C}" type="slidenum">
-              <a:rPr lang="en-US" smtClean="0"/>
-              <a:t>2</a:t>
-            </a:fld>
-            <a:endParaRPr lang="en-US" dirty="0"/>
-          </a:p>
-        </p:txBody>
-      </p:sp>
-      <p:pic>
-        <p:nvPicPr>
-          <p:cNvPr id="6" name="Picture 5"/>
-          <p:cNvPicPr>
-            <a:picLocks noChangeAspect="1"/>
-          </p:cNvPicPr>
-          <p:nvPr/>
-        </p:nvPicPr>
-        <p:blipFill rotWithShape="1">
-          <a:blip r:embed="rId2">
-            <a:extLst>
-              <a:ext uri="{28A0092B-C50C-407E-A947-70E740481C1C}">
-                <a14:useLocalDpi xmlns:a14="http://schemas.microsoft.com/office/drawing/2010/main" val="0"/>
-              </a:ext>
-            </a:extLst>
-          </a:blip>
-          <a:srcRect l="22640" t="40548" r="28266" b="25662"/>
-          <a:stretch/>
-        </p:blipFill>
-        <p:spPr>
-          <a:xfrm>
-            <a:off x="5869477" y="1752600"/>
-            <a:ext cx="2833197" cy="1845569"/>
-          </a:xfrm>
-          <a:prstGeom prst="rect">
-            <a:avLst/>
-          </a:prstGeom>
-        </p:spPr>
-      </p:pic>
-      <p:pic>
-        <p:nvPicPr>
-          <p:cNvPr id="7" name="Picture 6"/>
-          <p:cNvPicPr>
-            <a:picLocks noChangeAspect="1"/>
-          </p:cNvPicPr>
-          <p:nvPr/>
-        </p:nvPicPr>
-        <p:blipFill rotWithShape="1">
-          <a:blip r:embed="rId3">
-            <a:extLst>
-              <a:ext uri="{28A0092B-C50C-407E-A947-70E740481C1C}">
-                <a14:useLocalDpi xmlns:a14="http://schemas.microsoft.com/office/drawing/2010/main" val="0"/>
-              </a:ext>
-            </a:extLst>
-          </a:blip>
-          <a:srcRect l="22813" t="29954" r="25501" b="32420"/>
-          <a:stretch/>
-        </p:blipFill>
-        <p:spPr>
-          <a:xfrm>
-            <a:off x="5588265" y="3826451"/>
-            <a:ext cx="2869118" cy="1976717"/>
-          </a:xfrm>
-          <a:prstGeom prst="rect">
-            <a:avLst/>
-          </a:prstGeom>
-        </p:spPr>
-      </p:pic>
-    </p:spTree>
-    <p:extLst>
-      <p:ext uri="{BB962C8B-B14F-4D97-AF65-F5344CB8AC3E}">
-        <p14:creationId xmlns:p14="http://schemas.microsoft.com/office/powerpoint/2010/main" val="1665650487"/>
-      </p:ext>
-    </p:extLst>
-  </p:cSld>
-  <p:clrMapOvr>
-    <a:masterClrMapping/>
-  </p:clrMapOvr>
-</p:sld>
-</file>
-
-<file path=ppt/slides/slide3.xml><?xml version="1.0" encoding="utf-8"?>
-<p:sld xmlns:a="http://schemas.openxmlformats.org/drawingml/2006/main" xmlns:r="http://schemas.openxmlformats.org/officeDocument/2006/relationships" xmlns:p="http://schemas.openxmlformats.org/presentationml/2006/main">
-  <p:cSld>
-    <p:spTree>
-      <p:nvGrpSpPr>
-        <p:cNvPr id="1" name=""/>
-        <p:cNvGrpSpPr/>
-        <p:nvPr/>
-      </p:nvGrpSpPr>
-      <p:grpSpPr>
-        <a:xfrm>
-          <a:off x="0" y="0"/>
-          <a:ext cx="0" cy="0"/>
-          <a:chOff x="0" y="0"/>
-          <a:chExt cx="0" cy="0"/>
-        </a:xfrm>
-      </p:grpSpPr>
-      <p:sp>
-        <p:nvSpPr>
-          <p:cNvPr id="6" name="Title 5"/>
-          <p:cNvSpPr>
-            <a:spLocks noGrp="1"/>
-          </p:cNvSpPr>
-          <p:nvPr>
-            <p:ph type="title"/>
-          </p:nvPr>
-        </p:nvSpPr>
-        <p:spPr/>
-        <p:txBody>
-          <a:bodyPr/>
-          <a:lstStyle/>
-          <a:p>
-            <a:r>
-              <a:rPr lang="en-US" dirty="0" smtClean="0"/>
-              <a:t>PASSIVE VS. MOTORIZED</a:t>
-            </a:r>
-            <a:endParaRPr lang="en-US" dirty="0"/>
-          </a:p>
-        </p:txBody>
-      </p:sp>
-      <p:sp>
-        <p:nvSpPr>
-          <p:cNvPr id="9" name="Content Placeholder 8"/>
-          <p:cNvSpPr>
-            <a:spLocks noGrp="1"/>
-          </p:cNvSpPr>
-          <p:nvPr>
-            <p:ph idx="1"/>
-          </p:nvPr>
-        </p:nvSpPr>
-        <p:spPr>
-          <a:xfrm>
-            <a:off x="457199" y="1201454"/>
-            <a:ext cx="5154461" cy="4923773"/>
-          </a:xfrm>
-        </p:spPr>
-        <p:txBody>
-          <a:bodyPr>
-            <a:normAutofit fontScale="92500" lnSpcReduction="10000"/>
-          </a:bodyPr>
-          <a:lstStyle/>
-          <a:p>
-            <a:r>
-              <a:rPr lang="en-US" dirty="0" smtClean="0"/>
-              <a:t>Passive vs. </a:t>
-            </a:r>
-            <a:r>
-              <a:rPr lang="en-US" dirty="0" smtClean="0"/>
-              <a:t>Motorized</a:t>
-            </a:r>
-            <a:endParaRPr lang="en-US" dirty="0" smtClean="0"/>
-          </a:p>
-          <a:p>
-            <a:pPr lvl="1"/>
-            <a:r>
-              <a:rPr lang="en-US" dirty="0" smtClean="0"/>
-              <a:t>Passive attachments </a:t>
-            </a:r>
-            <a:r>
-              <a:rPr lang="en-US" dirty="0" smtClean="0"/>
-              <a:t>do not require any motor power</a:t>
-            </a:r>
-          </a:p>
-          <a:p>
-            <a:pPr lvl="1"/>
-            <a:r>
-              <a:rPr lang="en-US" dirty="0" smtClean="0"/>
-              <a:t>Motorized attachments require a connection to a motor</a:t>
-            </a:r>
-          </a:p>
-          <a:p>
-            <a:pPr lvl="1"/>
-            <a:endParaRPr lang="en-US" dirty="0" smtClean="0"/>
-          </a:p>
-          <a:p>
-            <a:r>
-              <a:rPr lang="en-US" dirty="0" smtClean="0"/>
-              <a:t>Power sources in MINDSTORMS</a:t>
-            </a:r>
-          </a:p>
-          <a:p>
-            <a:pPr lvl="1"/>
-            <a:r>
-              <a:rPr lang="en-US" dirty="0"/>
-              <a:t>Motors – can </a:t>
-            </a:r>
-            <a:r>
-              <a:rPr lang="en-US" dirty="0" smtClean="0"/>
-              <a:t>be control by </a:t>
-            </a:r>
-            <a:r>
-              <a:rPr lang="en-US" dirty="0"/>
-              <a:t>software and reusable across many missions, but physically </a:t>
-            </a:r>
-            <a:r>
-              <a:rPr lang="en-US" dirty="0" smtClean="0"/>
-              <a:t>large</a:t>
-            </a:r>
-            <a:endParaRPr lang="en-US" dirty="0" smtClean="0"/>
-          </a:p>
-          <a:p>
-            <a:pPr lvl="1"/>
-            <a:r>
-              <a:rPr lang="en-US" dirty="0" smtClean="0"/>
-              <a:t>Pneumatics – relatively powerful, but need to pump up in advance and be careful regarding pressure and leaks</a:t>
-            </a:r>
-          </a:p>
-          <a:p>
-            <a:pPr lvl="1"/>
-            <a:r>
-              <a:rPr lang="en-US" dirty="0" smtClean="0"/>
-              <a:t>Rubber bands – compact and easy to use but can get lost/wear out over time</a:t>
-            </a:r>
-          </a:p>
-          <a:p>
-            <a:pPr lvl="1"/>
-            <a:r>
-              <a:rPr lang="en-US" b="0" dirty="0" smtClean="0"/>
-              <a:t>Gravity – make things </a:t>
-            </a:r>
-            <a:r>
-              <a:rPr lang="en-US" b="0" dirty="0"/>
-              <a:t>fall using gravity </a:t>
-            </a:r>
-          </a:p>
-        </p:txBody>
-      </p:sp>
-      <p:sp>
-        <p:nvSpPr>
-          <p:cNvPr id="2" name="Footer Placeholder 1"/>
-          <p:cNvSpPr>
-            <a:spLocks noGrp="1"/>
-          </p:cNvSpPr>
-          <p:nvPr>
-            <p:ph type="ftr" sz="quarter" idx="11"/>
-          </p:nvPr>
-        </p:nvSpPr>
-        <p:spPr/>
-        <p:txBody>
-          <a:bodyPr/>
-          <a:lstStyle/>
-          <a:p>
-            <a:r>
-              <a:rPr lang="sk-SK" smtClean="0"/>
-              <a:t>© 2016 EV3Lessons.com, Last Edit 7/04/2016</a:t>
-            </a:r>
-            <a:endParaRPr lang="en-US" dirty="0"/>
-          </a:p>
-        </p:txBody>
-      </p:sp>
-      <p:sp>
-        <p:nvSpPr>
-          <p:cNvPr id="3" name="Slide Number Placeholder 2"/>
-          <p:cNvSpPr>
-            <a:spLocks noGrp="1"/>
-          </p:cNvSpPr>
-          <p:nvPr>
-            <p:ph type="sldNum" sz="quarter" idx="12"/>
-          </p:nvPr>
-        </p:nvSpPr>
-        <p:spPr/>
-        <p:txBody>
-          <a:bodyPr/>
-          <a:lstStyle/>
-          <a:p>
-            <a:fld id="{7F5CE407-6216-4202-80E4-A30DC2F709B2}" type="slidenum">
-              <a:rPr lang="en-US" smtClean="0"/>
-              <a:t>3</a:t>
-            </a:fld>
-            <a:endParaRPr lang="en-US"/>
-          </a:p>
-        </p:txBody>
-      </p:sp>
-      <p:pic>
-        <p:nvPicPr>
-          <p:cNvPr id="8" name="Picture 7"/>
-          <p:cNvPicPr>
-            <a:picLocks noChangeAspect="1"/>
-          </p:cNvPicPr>
-          <p:nvPr/>
-        </p:nvPicPr>
-        <p:blipFill rotWithShape="1">
-          <a:blip r:embed="rId2"/>
-          <a:srcRect l="24409" r="22975"/>
-          <a:stretch/>
-        </p:blipFill>
-        <p:spPr>
-          <a:xfrm>
-            <a:off x="6000321" y="2206177"/>
-            <a:ext cx="2702353" cy="2737276"/>
-          </a:xfrm>
-          <a:prstGeom prst="rect">
-            <a:avLst/>
-          </a:prstGeom>
-        </p:spPr>
-      </p:pic>
-    </p:spTree>
-    <p:extLst>
-      <p:ext uri="{BB962C8B-B14F-4D97-AF65-F5344CB8AC3E}">
-        <p14:creationId xmlns:p14="http://schemas.microsoft.com/office/powerpoint/2010/main" val="405952262"/>
-      </p:ext>
-    </p:extLst>
-  </p:cSld>
-  <p:clrMapOvr>
-    <a:masterClrMapping/>
-  </p:clrMapOvr>
-</p:sld>
-</file>
-
-<file path=ppt/slides/slide4.xml><?xml version="1.0" encoding="utf-8"?>
-<p:sld xmlns:a="http://schemas.openxmlformats.org/drawingml/2006/main" xmlns:r="http://schemas.openxmlformats.org/officeDocument/2006/relationships" xmlns:p="http://schemas.openxmlformats.org/presentationml/2006/main">
-  <p:cSld>
-    <p:spTree>
-      <p:nvGrpSpPr>
-        <p:cNvPr id="1" name=""/>
-        <p:cNvGrpSpPr/>
-        <p:nvPr/>
-      </p:nvGrpSpPr>
-      <p:grpSpPr>
-        <a:xfrm>
-          <a:off x="0" y="0"/>
-          <a:ext cx="0" cy="0"/>
-          <a:chOff x="0" y="0"/>
-          <a:chExt cx="0" cy="0"/>
-        </a:xfrm>
-      </p:grpSpPr>
-      <p:sp>
-        <p:nvSpPr>
-          <p:cNvPr id="6" name="Title 5"/>
-          <p:cNvSpPr>
-            <a:spLocks noGrp="1"/>
-          </p:cNvSpPr>
-          <p:nvPr>
-            <p:ph type="title"/>
-          </p:nvPr>
-        </p:nvSpPr>
-        <p:spPr/>
-        <p:txBody>
-          <a:bodyPr/>
-          <a:lstStyle/>
-          <a:p>
-            <a:r>
-              <a:rPr lang="en-US" dirty="0" smtClean="0"/>
-              <a:t>TEN </a:t>
-            </a:r>
-            <a:r>
-              <a:rPr lang="en-US" dirty="0" smtClean="0"/>
-              <a:t>Tips FOR ATTACHMENTS</a:t>
-            </a:r>
-            <a:endParaRPr lang="en-US" dirty="0"/>
-          </a:p>
-        </p:txBody>
-      </p:sp>
-      <p:sp>
-        <p:nvSpPr>
-          <p:cNvPr id="4" name="Content Placeholder 3"/>
-          <p:cNvSpPr>
-            <a:spLocks noGrp="1"/>
-          </p:cNvSpPr>
-          <p:nvPr>
-            <p:ph idx="1"/>
-          </p:nvPr>
-        </p:nvSpPr>
-        <p:spPr>
-          <a:xfrm>
-            <a:off x="457200" y="1302707"/>
-            <a:ext cx="8245474" cy="5073749"/>
-          </a:xfrm>
-        </p:spPr>
-        <p:txBody>
-          <a:bodyPr>
-            <a:normAutofit fontScale="77500" lnSpcReduction="20000"/>
-          </a:bodyPr>
-          <a:lstStyle/>
-          <a:p>
-            <a:r>
-              <a:rPr lang="en-US" dirty="0" smtClean="0">
-                <a:solidFill>
-                  <a:srgbClr val="FF0000"/>
-                </a:solidFill>
-              </a:rPr>
-              <a:t>Tip #1: </a:t>
-            </a:r>
-            <a:r>
-              <a:rPr lang="en-US" dirty="0" smtClean="0"/>
-              <a:t>Reduce </a:t>
-            </a:r>
-            <a:r>
-              <a:rPr lang="en-US" dirty="0" smtClean="0"/>
-              <a:t>errors/time wasted by avoiding adding/removing attachments. Design attachments that can stay on for entire time.</a:t>
-            </a:r>
-          </a:p>
-          <a:p>
-            <a:r>
-              <a:rPr lang="en-US" dirty="0" smtClean="0">
-                <a:solidFill>
-                  <a:srgbClr val="FF0000"/>
-                </a:solidFill>
-              </a:rPr>
-              <a:t>Tip #2: </a:t>
-            </a:r>
-            <a:r>
-              <a:rPr lang="en-US" dirty="0" smtClean="0"/>
-              <a:t>Removing </a:t>
-            </a:r>
-            <a:r>
-              <a:rPr lang="en-US" dirty="0" smtClean="0"/>
-              <a:t>attachments may be easier, less error-prone than adding </a:t>
-            </a:r>
-            <a:r>
-              <a:rPr lang="en-US" dirty="0" smtClean="0"/>
-              <a:t>them.</a:t>
-            </a:r>
-            <a:endParaRPr lang="en-US" dirty="0" smtClean="0"/>
-          </a:p>
-          <a:p>
-            <a:r>
-              <a:rPr lang="en-US" dirty="0" smtClean="0">
-                <a:solidFill>
-                  <a:srgbClr val="FF0000"/>
-                </a:solidFill>
-              </a:rPr>
-              <a:t>Tip #3: </a:t>
-            </a:r>
-            <a:r>
-              <a:rPr lang="en-US" dirty="0" smtClean="0"/>
-              <a:t>Reduce </a:t>
-            </a:r>
-            <a:r>
-              <a:rPr lang="en-US" dirty="0" smtClean="0"/>
-              <a:t>space and complexity of attachments by building attachments that can work for multiple </a:t>
-            </a:r>
-            <a:r>
-              <a:rPr lang="en-US" dirty="0" smtClean="0"/>
-              <a:t>missions</a:t>
-            </a:r>
-          </a:p>
-          <a:p>
-            <a:r>
-              <a:rPr lang="en-US" dirty="0" smtClean="0">
-                <a:solidFill>
-                  <a:srgbClr val="FF0000"/>
-                </a:solidFill>
-              </a:rPr>
-              <a:t>Tip #4: </a:t>
-            </a:r>
-            <a:r>
-              <a:rPr lang="en-US" dirty="0" smtClean="0"/>
-              <a:t>Reduce time by making all attachments connect to the robot in a similar way</a:t>
-            </a:r>
-          </a:p>
-          <a:p>
-            <a:r>
-              <a:rPr lang="en-US" dirty="0" smtClean="0">
-                <a:solidFill>
-                  <a:srgbClr val="FF0000"/>
-                </a:solidFill>
-              </a:rPr>
-              <a:t>Tip #5: </a:t>
-            </a:r>
-            <a:r>
-              <a:rPr lang="en-US" dirty="0" smtClean="0"/>
-              <a:t>Reduce time by making attachments that connect easily (e.g. adding and removing pins and attaching directly to a motor take time and effort)</a:t>
-            </a:r>
-          </a:p>
-          <a:p>
-            <a:r>
-              <a:rPr lang="en-US" dirty="0" smtClean="0">
-                <a:solidFill>
-                  <a:srgbClr val="FF0000"/>
-                </a:solidFill>
-              </a:rPr>
-              <a:t>Tip #6: </a:t>
-            </a:r>
-            <a:r>
-              <a:rPr lang="en-US" dirty="0"/>
-              <a:t>Use gears to deliver power to where you need it on the robot and in the direction that you need </a:t>
-            </a:r>
-            <a:r>
-              <a:rPr lang="en-US" dirty="0" smtClean="0"/>
-              <a:t>it</a:t>
-            </a:r>
-          </a:p>
-          <a:p>
-            <a:r>
-              <a:rPr lang="en-US" dirty="0" smtClean="0">
-                <a:solidFill>
-                  <a:srgbClr val="FF0000"/>
-                </a:solidFill>
-              </a:rPr>
-              <a:t>Tip #7: </a:t>
-            </a:r>
-            <a:r>
-              <a:rPr lang="en-US" dirty="0" smtClean="0"/>
-              <a:t>Attachments </a:t>
-            </a:r>
-            <a:r>
-              <a:rPr lang="en-US" dirty="0"/>
-              <a:t>need to repeat their task reliably. </a:t>
-            </a:r>
-            <a:r>
-              <a:rPr lang="en-US" dirty="0" smtClean="0"/>
-              <a:t>Setup should be easy and consistent for a run</a:t>
-            </a:r>
-          </a:p>
-          <a:p>
-            <a:r>
-              <a:rPr lang="en-US" dirty="0" smtClean="0">
-                <a:solidFill>
-                  <a:srgbClr val="FF0000"/>
-                </a:solidFill>
-              </a:rPr>
-              <a:t>Tip #8: </a:t>
-            </a:r>
-            <a:r>
-              <a:rPr lang="en-US" dirty="0" smtClean="0"/>
-              <a:t>Leave </a:t>
-            </a:r>
-            <a:r>
-              <a:rPr lang="en-US" dirty="0"/>
-              <a:t>room for error. If your robot is slightly off, will your attachment still work?</a:t>
-            </a:r>
-          </a:p>
-          <a:p>
-            <a:r>
-              <a:rPr lang="en-US" dirty="0" smtClean="0">
-                <a:solidFill>
-                  <a:srgbClr val="FF0000"/>
-                </a:solidFill>
-              </a:rPr>
-              <a:t>Tip #9: </a:t>
-            </a:r>
-            <a:r>
-              <a:rPr lang="en-US" dirty="0" smtClean="0"/>
-              <a:t>Size matters! Consider the added weight and size and its impact on your robot’s movement</a:t>
-            </a:r>
-          </a:p>
-          <a:p>
-            <a:r>
-              <a:rPr lang="en-US" dirty="0" smtClean="0">
-                <a:solidFill>
-                  <a:srgbClr val="FF0000"/>
-                </a:solidFill>
-              </a:rPr>
-              <a:t>Tip #10: </a:t>
-            </a:r>
-            <a:r>
-              <a:rPr lang="en-US" dirty="0" smtClean="0"/>
-              <a:t>Think outside the box. Do you really need a motor for a mission? Try comin</a:t>
-            </a:r>
-            <a:r>
-              <a:rPr lang="en-US" dirty="0" smtClean="0"/>
-              <a:t>g up with a passive design (e.g. rubber bands or pneumatics)</a:t>
-            </a:r>
-            <a:endParaRPr lang="en-US" dirty="0" smtClean="0"/>
-          </a:p>
-        </p:txBody>
-      </p:sp>
-      <p:sp>
-        <p:nvSpPr>
-          <p:cNvPr id="2" name="Footer Placeholder 1"/>
-          <p:cNvSpPr>
-            <a:spLocks noGrp="1"/>
-          </p:cNvSpPr>
-          <p:nvPr>
-            <p:ph type="ftr" sz="quarter" idx="11"/>
-          </p:nvPr>
-        </p:nvSpPr>
-        <p:spPr/>
-        <p:txBody>
-          <a:bodyPr/>
-          <a:lstStyle/>
-          <a:p>
-            <a:r>
-              <a:rPr lang="sk-SK" smtClean="0"/>
-              <a:t>© 2016 EV3Lessons.com, Last Edit 7/04/2016</a:t>
-            </a:r>
-            <a:endParaRPr lang="en-US" dirty="0"/>
-          </a:p>
-        </p:txBody>
-      </p:sp>
-      <p:sp>
-        <p:nvSpPr>
-          <p:cNvPr id="3" name="Slide Number Placeholder 2"/>
-          <p:cNvSpPr>
-            <a:spLocks noGrp="1"/>
-          </p:cNvSpPr>
-          <p:nvPr>
-            <p:ph type="sldNum" sz="quarter" idx="12"/>
-          </p:nvPr>
-        </p:nvSpPr>
-        <p:spPr/>
-        <p:txBody>
-          <a:bodyPr/>
-          <a:lstStyle/>
-          <a:p>
-            <a:fld id="{7F5CE407-6216-4202-80E4-A30DC2F709B2}" type="slidenum">
-              <a:rPr lang="en-US" smtClean="0"/>
-              <a:pPr/>
-              <a:t>4</a:t>
-            </a:fld>
-            <a:endParaRPr lang="en-US"/>
-          </a:p>
-        </p:txBody>
-      </p:sp>
-    </p:spTree>
-    <p:extLst>
-      <p:ext uri="{BB962C8B-B14F-4D97-AF65-F5344CB8AC3E}">
-        <p14:creationId xmlns:p14="http://schemas.microsoft.com/office/powerpoint/2010/main" val="1501993130"/>
-      </p:ext>
-    </p:extLst>
-  </p:cSld>
-  <p:clrMapOvr>
-    <a:masterClrMapping/>
-  </p:clrMapOvr>
-</p:sld>
-</file>
-
-<file path=ppt/slides/slide5.xml><?xml version="1.0" encoding="utf-8"?>
-<p:sld xmlns:a="http://schemas.openxmlformats.org/drawingml/2006/main" xmlns:r="http://schemas.openxmlformats.org/officeDocument/2006/relationships" xmlns:p="http://schemas.openxmlformats.org/presentationml/2006/main">
-  <p:cSld>
-    <p:spTree>
-      <p:nvGrpSpPr>
-        <p:cNvPr id="1" name=""/>
-        <p:cNvGrpSpPr/>
-        <p:nvPr/>
-      </p:nvGrpSpPr>
-      <p:grpSpPr>
-        <a:xfrm>
-          <a:off x="0" y="0"/>
-          <a:ext cx="0" cy="0"/>
-          <a:chOff x="0" y="0"/>
-          <a:chExt cx="0" cy="0"/>
-        </a:xfrm>
-      </p:grpSpPr>
-      <p:sp>
-        <p:nvSpPr>
-          <p:cNvPr id="2" name="Title 1"/>
-          <p:cNvSpPr>
-            <a:spLocks noGrp="1"/>
-          </p:cNvSpPr>
-          <p:nvPr>
-            <p:ph type="title"/>
-          </p:nvPr>
-        </p:nvSpPr>
-        <p:spPr/>
-        <p:txBody>
-          <a:bodyPr/>
-          <a:lstStyle/>
-          <a:p>
-            <a:r>
-              <a:rPr lang="en-US" dirty="0" smtClean="0"/>
               <a:t>Keep track of your ideas</a:t>
             </a:r>
             <a:endParaRPr lang="en-US" dirty="0"/>
@@ -25799,7 +25199,7 @@
           <a:p>
             <a:fld id="{4DBC7FC8-25FB-FC45-8177-2B991DA6778C}" type="slidenum">
               <a:rPr lang="en-US" smtClean="0"/>
-              <a:t>5</a:t>
+              <a:t>11</a:t>
             </a:fld>
             <a:endParaRPr lang="en-US" dirty="0"/>
           </a:p>
@@ -25862,7 +25262,7 @@
 </p:sld>
 </file>
 
-<file path=ppt/slides/slide6.xml><?xml version="1.0" encoding="utf-8"?>
+<file path=ppt/slides/slide12.xml><?xml version="1.0" encoding="utf-8"?>
 <p:sld xmlns:a="http://schemas.openxmlformats.org/drawingml/2006/main" xmlns:r="http://schemas.openxmlformats.org/officeDocument/2006/relationships" xmlns:p="http://schemas.openxmlformats.org/presentationml/2006/main">
   <p:cSld>
     <p:spTree>
@@ -25993,7 +25393,7 @@
             <a:fld id="{4382A7F7-08BF-4252-8141-63FB96055BBB}" type="slidenum">
               <a:rPr lang="en-US" smtClean="0"/>
               <a:pPr/>
-              <a:t>6</a:t>
+              <a:t>12</a:t>
             </a:fld>
             <a:endParaRPr lang="en-US"/>
           </a:p>
@@ -26421,6 +25821,1624 @@
       </p:par>
     </p:tnLst>
   </p:timing>
+</p:sld>
+</file>
+
+<file path=ppt/slides/slide2.xml><?xml version="1.0" encoding="utf-8"?>
+<p:sld xmlns:a="http://schemas.openxmlformats.org/drawingml/2006/main" xmlns:r="http://schemas.openxmlformats.org/officeDocument/2006/relationships" xmlns:p="http://schemas.openxmlformats.org/presentationml/2006/main">
+  <p:cSld>
+    <p:spTree>
+      <p:nvGrpSpPr>
+        <p:cNvPr id="1" name=""/>
+        <p:cNvGrpSpPr/>
+        <p:nvPr/>
+      </p:nvGrpSpPr>
+      <p:grpSpPr>
+        <a:xfrm>
+          <a:off x="0" y="0"/>
+          <a:ext cx="0" cy="0"/>
+          <a:chOff x="0" y="0"/>
+          <a:chExt cx="0" cy="0"/>
+        </a:xfrm>
+      </p:grpSpPr>
+      <p:sp>
+        <p:nvSpPr>
+          <p:cNvPr id="2" name="Title 1"/>
+          <p:cNvSpPr>
+            <a:spLocks noGrp="1"/>
+          </p:cNvSpPr>
+          <p:nvPr>
+            <p:ph type="title"/>
+          </p:nvPr>
+        </p:nvSpPr>
+        <p:spPr/>
+        <p:txBody>
+          <a:bodyPr/>
+          <a:lstStyle/>
+          <a:p>
+            <a:r>
+              <a:rPr lang="en-US" dirty="0" smtClean="0"/>
+              <a:t>What is an attachment?</a:t>
+            </a:r>
+            <a:endParaRPr lang="en-US" dirty="0"/>
+          </a:p>
+        </p:txBody>
+      </p:sp>
+      <p:sp>
+        <p:nvSpPr>
+          <p:cNvPr id="3" name="Content Placeholder 2"/>
+          <p:cNvSpPr>
+            <a:spLocks noGrp="1"/>
+          </p:cNvSpPr>
+          <p:nvPr>
+            <p:ph idx="1"/>
+          </p:nvPr>
+        </p:nvSpPr>
+        <p:spPr>
+          <a:xfrm>
+            <a:off x="457200" y="1752600"/>
+            <a:ext cx="5166986" cy="4373563"/>
+          </a:xfrm>
+        </p:spPr>
+        <p:txBody>
+          <a:bodyPr/>
+          <a:lstStyle/>
+          <a:p>
+            <a:pPr marL="342900" indent="-342900">
+              <a:buFont typeface="Arial" charset="0"/>
+              <a:buChar char="•"/>
+            </a:pPr>
+            <a:r>
+              <a:rPr lang="en-US" dirty="0" smtClean="0"/>
+              <a:t>A mechanism you build that can assist your robot in accomplishing a task(e.g. pick up an object, drop off an object)</a:t>
+            </a:r>
+          </a:p>
+          <a:p>
+            <a:pPr marL="342900" indent="-342900">
+              <a:buFont typeface="Arial" charset="0"/>
+              <a:buChar char="•"/>
+            </a:pPr>
+            <a:r>
+              <a:rPr lang="en-US" dirty="0" smtClean="0"/>
+              <a:t>This mechanism is “attached” to the base robot </a:t>
+            </a:r>
+          </a:p>
+          <a:p>
+            <a:pPr marL="342900" indent="-342900">
+              <a:buFont typeface="Arial" charset="0"/>
+              <a:buChar char="•"/>
+            </a:pPr>
+            <a:r>
+              <a:rPr lang="en-US" dirty="0" smtClean="0"/>
+              <a:t>For a competition robot, the goal is to design attachments that work consistently every time you run the robot and also take up the least amount of time and space</a:t>
+            </a:r>
+          </a:p>
+        </p:txBody>
+      </p:sp>
+      <p:sp>
+        <p:nvSpPr>
+          <p:cNvPr id="4" name="Footer Placeholder 3"/>
+          <p:cNvSpPr>
+            <a:spLocks noGrp="1"/>
+          </p:cNvSpPr>
+          <p:nvPr>
+            <p:ph type="ftr" sz="quarter" idx="11"/>
+          </p:nvPr>
+        </p:nvSpPr>
+        <p:spPr/>
+        <p:txBody>
+          <a:bodyPr/>
+          <a:lstStyle/>
+          <a:p>
+            <a:r>
+              <a:rPr lang="sk-SK" smtClean="0"/>
+              <a:t>© 2016 EV3Lessons.com, Last Edit 7/04/2016</a:t>
+            </a:r>
+            <a:endParaRPr lang="en-US"/>
+          </a:p>
+        </p:txBody>
+      </p:sp>
+      <p:sp>
+        <p:nvSpPr>
+          <p:cNvPr id="5" name="Slide Number Placeholder 4"/>
+          <p:cNvSpPr>
+            <a:spLocks noGrp="1"/>
+          </p:cNvSpPr>
+          <p:nvPr>
+            <p:ph type="sldNum" sz="quarter" idx="12"/>
+          </p:nvPr>
+        </p:nvSpPr>
+        <p:spPr/>
+        <p:txBody>
+          <a:bodyPr/>
+          <a:lstStyle/>
+          <a:p>
+            <a:fld id="{4DBC7FC8-25FB-FC45-8177-2B991DA6778C}" type="slidenum">
+              <a:rPr lang="en-US" smtClean="0"/>
+              <a:t>2</a:t>
+            </a:fld>
+            <a:endParaRPr lang="en-US" dirty="0"/>
+          </a:p>
+        </p:txBody>
+      </p:sp>
+      <p:pic>
+        <p:nvPicPr>
+          <p:cNvPr id="7" name="Picture 6"/>
+          <p:cNvPicPr>
+            <a:picLocks noChangeAspect="1"/>
+          </p:cNvPicPr>
+          <p:nvPr/>
+        </p:nvPicPr>
+        <p:blipFill rotWithShape="1">
+          <a:blip r:embed="rId2">
+            <a:extLst>
+              <a:ext uri="{28A0092B-C50C-407E-A947-70E740481C1C}">
+                <a14:useLocalDpi xmlns:a14="http://schemas.microsoft.com/office/drawing/2010/main" val="0"/>
+              </a:ext>
+            </a:extLst>
+          </a:blip>
+          <a:srcRect l="22813" t="29954" r="25501" b="32420"/>
+          <a:stretch/>
+        </p:blipFill>
+        <p:spPr>
+          <a:xfrm>
+            <a:off x="5833556" y="2566611"/>
+            <a:ext cx="2869118" cy="1976717"/>
+          </a:xfrm>
+          <a:prstGeom prst="rect">
+            <a:avLst/>
+          </a:prstGeom>
+        </p:spPr>
+      </p:pic>
+    </p:spTree>
+    <p:extLst>
+      <p:ext uri="{BB962C8B-B14F-4D97-AF65-F5344CB8AC3E}">
+        <p14:creationId xmlns:p14="http://schemas.microsoft.com/office/powerpoint/2010/main" val="1665650487"/>
+      </p:ext>
+    </p:extLst>
+  </p:cSld>
+  <p:clrMapOvr>
+    <a:masterClrMapping/>
+  </p:clrMapOvr>
+</p:sld>
+</file>
+
+<file path=ppt/slides/slide3.xml><?xml version="1.0" encoding="utf-8"?>
+<p:sld xmlns:a="http://schemas.openxmlformats.org/drawingml/2006/main" xmlns:r="http://schemas.openxmlformats.org/officeDocument/2006/relationships" xmlns:p="http://schemas.openxmlformats.org/presentationml/2006/main">
+  <p:cSld>
+    <p:spTree>
+      <p:nvGrpSpPr>
+        <p:cNvPr id="1" name=""/>
+        <p:cNvGrpSpPr/>
+        <p:nvPr/>
+      </p:nvGrpSpPr>
+      <p:grpSpPr>
+        <a:xfrm>
+          <a:off x="0" y="0"/>
+          <a:ext cx="0" cy="0"/>
+          <a:chOff x="0" y="0"/>
+          <a:chExt cx="0" cy="0"/>
+        </a:xfrm>
+      </p:grpSpPr>
+      <p:sp>
+        <p:nvSpPr>
+          <p:cNvPr id="6" name="Title 5"/>
+          <p:cNvSpPr>
+            <a:spLocks noGrp="1"/>
+          </p:cNvSpPr>
+          <p:nvPr>
+            <p:ph type="title"/>
+          </p:nvPr>
+        </p:nvSpPr>
+        <p:spPr/>
+        <p:txBody>
+          <a:bodyPr/>
+          <a:lstStyle/>
+          <a:p>
+            <a:r>
+              <a:rPr lang="en-US" dirty="0" smtClean="0"/>
+              <a:t>PASSIVE VS. MOTORIZED</a:t>
+            </a:r>
+            <a:endParaRPr lang="en-US" dirty="0"/>
+          </a:p>
+        </p:txBody>
+      </p:sp>
+      <p:sp>
+        <p:nvSpPr>
+          <p:cNvPr id="9" name="Content Placeholder 8"/>
+          <p:cNvSpPr>
+            <a:spLocks noGrp="1"/>
+          </p:cNvSpPr>
+          <p:nvPr>
+            <p:ph idx="1"/>
+          </p:nvPr>
+        </p:nvSpPr>
+        <p:spPr>
+          <a:xfrm>
+            <a:off x="457199" y="1201454"/>
+            <a:ext cx="5154461" cy="4923773"/>
+          </a:xfrm>
+        </p:spPr>
+        <p:txBody>
+          <a:bodyPr>
+            <a:normAutofit fontScale="92500" lnSpcReduction="10000"/>
+          </a:bodyPr>
+          <a:lstStyle/>
+          <a:p>
+            <a:r>
+              <a:rPr lang="en-US" dirty="0" smtClean="0"/>
+              <a:t>Passive vs. Motorized</a:t>
+            </a:r>
+          </a:p>
+          <a:p>
+            <a:pPr lvl="1"/>
+            <a:r>
+              <a:rPr lang="en-US" dirty="0" smtClean="0"/>
+              <a:t>Passive attachments do not require any motor power</a:t>
+            </a:r>
+          </a:p>
+          <a:p>
+            <a:pPr lvl="1"/>
+            <a:r>
+              <a:rPr lang="en-US" dirty="0" smtClean="0"/>
+              <a:t>Motorized attachments require a connection to a motor</a:t>
+            </a:r>
+          </a:p>
+          <a:p>
+            <a:pPr lvl="1"/>
+            <a:endParaRPr lang="en-US" dirty="0" smtClean="0"/>
+          </a:p>
+          <a:p>
+            <a:r>
+              <a:rPr lang="en-US" dirty="0" smtClean="0"/>
+              <a:t>Power sources in MINDSTORMS</a:t>
+            </a:r>
+          </a:p>
+          <a:p>
+            <a:pPr lvl="1"/>
+            <a:r>
+              <a:rPr lang="en-US" dirty="0"/>
+              <a:t>Motors – can </a:t>
+            </a:r>
+            <a:r>
+              <a:rPr lang="en-US" dirty="0" smtClean="0"/>
+              <a:t>be control by </a:t>
+            </a:r>
+            <a:r>
+              <a:rPr lang="en-US" dirty="0"/>
+              <a:t>software and reusable across many missions, but physically </a:t>
+            </a:r>
+            <a:r>
+              <a:rPr lang="en-US" dirty="0" smtClean="0"/>
+              <a:t>large</a:t>
+            </a:r>
+          </a:p>
+          <a:p>
+            <a:pPr lvl="1"/>
+            <a:r>
+              <a:rPr lang="en-US" dirty="0" smtClean="0"/>
+              <a:t>Pneumatics – relatively powerful, but need to pump up in advance and be careful regarding pressure and leaks</a:t>
+            </a:r>
+          </a:p>
+          <a:p>
+            <a:pPr lvl="1"/>
+            <a:r>
+              <a:rPr lang="en-US" dirty="0" smtClean="0"/>
+              <a:t>Rubber bands – compact and easy to use but can get lost/wear out over time</a:t>
+            </a:r>
+          </a:p>
+          <a:p>
+            <a:pPr lvl="1"/>
+            <a:r>
+              <a:rPr lang="en-US" b="0" dirty="0" smtClean="0"/>
+              <a:t>Gravity – make things </a:t>
+            </a:r>
+            <a:r>
+              <a:rPr lang="en-US" b="0" dirty="0"/>
+              <a:t>fall using gravity </a:t>
+            </a:r>
+          </a:p>
+        </p:txBody>
+      </p:sp>
+      <p:sp>
+        <p:nvSpPr>
+          <p:cNvPr id="2" name="Footer Placeholder 1"/>
+          <p:cNvSpPr>
+            <a:spLocks noGrp="1"/>
+          </p:cNvSpPr>
+          <p:nvPr>
+            <p:ph type="ftr" sz="quarter" idx="11"/>
+          </p:nvPr>
+        </p:nvSpPr>
+        <p:spPr/>
+        <p:txBody>
+          <a:bodyPr/>
+          <a:lstStyle/>
+          <a:p>
+            <a:r>
+              <a:rPr lang="sk-SK" smtClean="0"/>
+              <a:t>© 2016 EV3Lessons.com, Last Edit 7/04/2016</a:t>
+            </a:r>
+            <a:endParaRPr lang="en-US" dirty="0"/>
+          </a:p>
+        </p:txBody>
+      </p:sp>
+      <p:sp>
+        <p:nvSpPr>
+          <p:cNvPr id="3" name="Slide Number Placeholder 2"/>
+          <p:cNvSpPr>
+            <a:spLocks noGrp="1"/>
+          </p:cNvSpPr>
+          <p:nvPr>
+            <p:ph type="sldNum" sz="quarter" idx="12"/>
+          </p:nvPr>
+        </p:nvSpPr>
+        <p:spPr/>
+        <p:txBody>
+          <a:bodyPr/>
+          <a:lstStyle/>
+          <a:p>
+            <a:fld id="{7F5CE407-6216-4202-80E4-A30DC2F709B2}" type="slidenum">
+              <a:rPr lang="en-US" smtClean="0"/>
+              <a:t>3</a:t>
+            </a:fld>
+            <a:endParaRPr lang="en-US"/>
+          </a:p>
+        </p:txBody>
+      </p:sp>
+      <p:pic>
+        <p:nvPicPr>
+          <p:cNvPr id="8" name="Picture 7"/>
+          <p:cNvPicPr>
+            <a:picLocks noChangeAspect="1"/>
+          </p:cNvPicPr>
+          <p:nvPr/>
+        </p:nvPicPr>
+        <p:blipFill rotWithShape="1">
+          <a:blip r:embed="rId2"/>
+          <a:srcRect l="24409" r="22975"/>
+          <a:stretch/>
+        </p:blipFill>
+        <p:spPr>
+          <a:xfrm>
+            <a:off x="6000321" y="2206177"/>
+            <a:ext cx="2702353" cy="2737276"/>
+          </a:xfrm>
+          <a:prstGeom prst="rect">
+            <a:avLst/>
+          </a:prstGeom>
+        </p:spPr>
+      </p:pic>
+    </p:spTree>
+    <p:extLst>
+      <p:ext uri="{BB962C8B-B14F-4D97-AF65-F5344CB8AC3E}">
+        <p14:creationId xmlns:p14="http://schemas.microsoft.com/office/powerpoint/2010/main" val="405952262"/>
+      </p:ext>
+    </p:extLst>
+  </p:cSld>
+  <p:clrMapOvr>
+    <a:masterClrMapping/>
+  </p:clrMapOvr>
+</p:sld>
+</file>
+
+<file path=ppt/slides/slide4.xml><?xml version="1.0" encoding="utf-8"?>
+<p:sld xmlns:a="http://schemas.openxmlformats.org/drawingml/2006/main" xmlns:r="http://schemas.openxmlformats.org/officeDocument/2006/relationships" xmlns:p="http://schemas.openxmlformats.org/presentationml/2006/main" show="0">
+  <p:cSld>
+    <p:spTree>
+      <p:nvGrpSpPr>
+        <p:cNvPr id="1" name=""/>
+        <p:cNvGrpSpPr/>
+        <p:nvPr/>
+      </p:nvGrpSpPr>
+      <p:grpSpPr>
+        <a:xfrm>
+          <a:off x="0" y="0"/>
+          <a:ext cx="0" cy="0"/>
+          <a:chOff x="0" y="0"/>
+          <a:chExt cx="0" cy="0"/>
+        </a:xfrm>
+      </p:grpSpPr>
+      <p:sp>
+        <p:nvSpPr>
+          <p:cNvPr id="6" name="Title 5"/>
+          <p:cNvSpPr>
+            <a:spLocks noGrp="1"/>
+          </p:cNvSpPr>
+          <p:nvPr>
+            <p:ph type="title"/>
+          </p:nvPr>
+        </p:nvSpPr>
+        <p:spPr/>
+        <p:txBody>
+          <a:bodyPr/>
+          <a:lstStyle/>
+          <a:p>
+            <a:r>
+              <a:rPr lang="en-US" dirty="0" smtClean="0"/>
+              <a:t>TEN Tips FOR </a:t>
+            </a:r>
+            <a:r>
+              <a:rPr lang="en-US" dirty="0" smtClean="0"/>
+              <a:t>ATTACHMENTS</a:t>
+            </a:r>
+            <a:br>
+              <a:rPr lang="en-US" dirty="0" smtClean="0"/>
+            </a:br>
+            <a:r>
+              <a:rPr lang="en-US" dirty="0" smtClean="0"/>
+              <a:t>DELETE ME</a:t>
+            </a:r>
+            <a:endParaRPr lang="en-US" dirty="0"/>
+          </a:p>
+        </p:txBody>
+      </p:sp>
+      <p:sp>
+        <p:nvSpPr>
+          <p:cNvPr id="4" name="Content Placeholder 3"/>
+          <p:cNvSpPr>
+            <a:spLocks noGrp="1"/>
+          </p:cNvSpPr>
+          <p:nvPr>
+            <p:ph idx="1"/>
+          </p:nvPr>
+        </p:nvSpPr>
+        <p:spPr>
+          <a:xfrm>
+            <a:off x="457200" y="1302707"/>
+            <a:ext cx="8245474" cy="5073749"/>
+          </a:xfrm>
+        </p:spPr>
+        <p:txBody>
+          <a:bodyPr>
+            <a:normAutofit fontScale="77500" lnSpcReduction="20000"/>
+          </a:bodyPr>
+          <a:lstStyle/>
+          <a:p>
+            <a:r>
+              <a:rPr lang="en-US" dirty="0" smtClean="0">
+                <a:solidFill>
+                  <a:srgbClr val="FF0000"/>
+                </a:solidFill>
+              </a:rPr>
+              <a:t>Tip #1: </a:t>
+            </a:r>
+            <a:r>
+              <a:rPr lang="en-US" dirty="0" smtClean="0"/>
+              <a:t>Reduce errors/time wasted by avoiding adding/removing attachments. Design attachments that can stay on for entire time.</a:t>
+            </a:r>
+          </a:p>
+          <a:p>
+            <a:r>
+              <a:rPr lang="en-US" dirty="0" smtClean="0">
+                <a:solidFill>
+                  <a:srgbClr val="FF0000"/>
+                </a:solidFill>
+              </a:rPr>
+              <a:t>Tip #2: </a:t>
+            </a:r>
+            <a:r>
+              <a:rPr lang="en-US" dirty="0" smtClean="0"/>
+              <a:t>Removing attachments may be easier, less error-prone than adding them.</a:t>
+            </a:r>
+          </a:p>
+          <a:p>
+            <a:r>
+              <a:rPr lang="en-US" dirty="0" smtClean="0">
+                <a:solidFill>
+                  <a:srgbClr val="FF0000"/>
+                </a:solidFill>
+              </a:rPr>
+              <a:t>Tip #3: </a:t>
+            </a:r>
+            <a:r>
+              <a:rPr lang="en-US" dirty="0" smtClean="0"/>
+              <a:t>Reduce space and complexity of attachments by building attachments that can work for multiple missions</a:t>
+            </a:r>
+          </a:p>
+          <a:p>
+            <a:r>
+              <a:rPr lang="en-US" dirty="0" smtClean="0">
+                <a:solidFill>
+                  <a:srgbClr val="FF0000"/>
+                </a:solidFill>
+              </a:rPr>
+              <a:t>Tip #4: </a:t>
+            </a:r>
+            <a:r>
+              <a:rPr lang="en-US" dirty="0" smtClean="0"/>
+              <a:t>Reduce time by making all attachments connect to the robot in a similar way</a:t>
+            </a:r>
+          </a:p>
+          <a:p>
+            <a:r>
+              <a:rPr lang="en-US" dirty="0" smtClean="0">
+                <a:solidFill>
+                  <a:srgbClr val="FF0000"/>
+                </a:solidFill>
+              </a:rPr>
+              <a:t>Tip #5: </a:t>
+            </a:r>
+            <a:r>
+              <a:rPr lang="en-US" dirty="0" smtClean="0"/>
+              <a:t>Reduce time by making attachments that connect easily (e.g. adding and removing pins and attaching directly to a motor take time and effort)</a:t>
+            </a:r>
+          </a:p>
+          <a:p>
+            <a:r>
+              <a:rPr lang="en-US" dirty="0" smtClean="0">
+                <a:solidFill>
+                  <a:srgbClr val="FF0000"/>
+                </a:solidFill>
+              </a:rPr>
+              <a:t>Tip #6: </a:t>
+            </a:r>
+            <a:r>
+              <a:rPr lang="en-US" dirty="0"/>
+              <a:t>Use gears to deliver power to where you need it on the robot and in the direction that you need </a:t>
+            </a:r>
+            <a:r>
+              <a:rPr lang="en-US" dirty="0" smtClean="0"/>
+              <a:t>it</a:t>
+            </a:r>
+          </a:p>
+          <a:p>
+            <a:r>
+              <a:rPr lang="en-US" dirty="0" smtClean="0">
+                <a:solidFill>
+                  <a:srgbClr val="FF0000"/>
+                </a:solidFill>
+              </a:rPr>
+              <a:t>Tip #7: </a:t>
+            </a:r>
+            <a:r>
+              <a:rPr lang="en-US" dirty="0" smtClean="0"/>
+              <a:t>Attachments </a:t>
+            </a:r>
+            <a:r>
+              <a:rPr lang="en-US" dirty="0"/>
+              <a:t>need to repeat their task reliably. </a:t>
+            </a:r>
+            <a:r>
+              <a:rPr lang="en-US" dirty="0" smtClean="0"/>
+              <a:t>Setup should be easy and consistent for a run</a:t>
+            </a:r>
+          </a:p>
+          <a:p>
+            <a:r>
+              <a:rPr lang="en-US" dirty="0" smtClean="0">
+                <a:solidFill>
+                  <a:srgbClr val="FF0000"/>
+                </a:solidFill>
+              </a:rPr>
+              <a:t>Tip #8: </a:t>
+            </a:r>
+            <a:r>
+              <a:rPr lang="en-US" dirty="0" smtClean="0"/>
+              <a:t>Leave </a:t>
+            </a:r>
+            <a:r>
+              <a:rPr lang="en-US" dirty="0"/>
+              <a:t>room for error. If your robot is slightly off, will your attachment still work?</a:t>
+            </a:r>
+          </a:p>
+          <a:p>
+            <a:r>
+              <a:rPr lang="en-US" dirty="0" smtClean="0">
+                <a:solidFill>
+                  <a:srgbClr val="FF0000"/>
+                </a:solidFill>
+              </a:rPr>
+              <a:t>Tip #9: </a:t>
+            </a:r>
+            <a:r>
+              <a:rPr lang="en-US" dirty="0" smtClean="0"/>
+              <a:t>Size matters! Consider the added weight and size and its impact on your robot’s movement</a:t>
+            </a:r>
+          </a:p>
+          <a:p>
+            <a:r>
+              <a:rPr lang="en-US" dirty="0" smtClean="0">
+                <a:solidFill>
+                  <a:srgbClr val="FF0000"/>
+                </a:solidFill>
+              </a:rPr>
+              <a:t>Tip #10: </a:t>
+            </a:r>
+            <a:r>
+              <a:rPr lang="en-US" dirty="0" smtClean="0"/>
+              <a:t>Think outside the box. Do you really need a motor for a mission? Try coming up with a passive design (e.g. rubber bands or pneumatics)</a:t>
+            </a:r>
+          </a:p>
+        </p:txBody>
+      </p:sp>
+      <p:sp>
+        <p:nvSpPr>
+          <p:cNvPr id="2" name="Footer Placeholder 1"/>
+          <p:cNvSpPr>
+            <a:spLocks noGrp="1"/>
+          </p:cNvSpPr>
+          <p:nvPr>
+            <p:ph type="ftr" sz="quarter" idx="11"/>
+          </p:nvPr>
+        </p:nvSpPr>
+        <p:spPr/>
+        <p:txBody>
+          <a:bodyPr/>
+          <a:lstStyle/>
+          <a:p>
+            <a:r>
+              <a:rPr lang="sk-SK" smtClean="0"/>
+              <a:t>© 2016 EV3Lessons.com, Last Edit 7/04/2016</a:t>
+            </a:r>
+            <a:endParaRPr lang="en-US" dirty="0"/>
+          </a:p>
+        </p:txBody>
+      </p:sp>
+      <p:sp>
+        <p:nvSpPr>
+          <p:cNvPr id="3" name="Slide Number Placeholder 2"/>
+          <p:cNvSpPr>
+            <a:spLocks noGrp="1"/>
+          </p:cNvSpPr>
+          <p:nvPr>
+            <p:ph type="sldNum" sz="quarter" idx="12"/>
+          </p:nvPr>
+        </p:nvSpPr>
+        <p:spPr/>
+        <p:txBody>
+          <a:bodyPr/>
+          <a:lstStyle/>
+          <a:p>
+            <a:fld id="{7F5CE407-6216-4202-80E4-A30DC2F709B2}" type="slidenum">
+              <a:rPr lang="en-US" smtClean="0"/>
+              <a:pPr/>
+              <a:t>4</a:t>
+            </a:fld>
+            <a:endParaRPr lang="en-US"/>
+          </a:p>
+        </p:txBody>
+      </p:sp>
+    </p:spTree>
+    <p:extLst>
+      <p:ext uri="{BB962C8B-B14F-4D97-AF65-F5344CB8AC3E}">
+        <p14:creationId xmlns:p14="http://schemas.microsoft.com/office/powerpoint/2010/main" val="1501993130"/>
+      </p:ext>
+    </p:extLst>
+  </p:cSld>
+  <p:clrMapOvr>
+    <a:masterClrMapping/>
+  </p:clrMapOvr>
+  <mc:AlternateContent xmlns:mc="http://schemas.openxmlformats.org/markup-compatibility/2006">
+    <mc:Choice xmlns:p14="http://schemas.microsoft.com/office/powerpoint/2010/main" Requires="p14">
+      <p:transition spd="slow" p14:dur="2000"/>
+    </mc:Choice>
+    <mc:Fallback>
+      <p:transition spd="slow"/>
+    </mc:Fallback>
+  </mc:AlternateContent>
+</p:sld>
+</file>
+
+<file path=ppt/slides/slide5.xml><?xml version="1.0" encoding="utf-8"?>
+<p:sld xmlns:a="http://schemas.openxmlformats.org/drawingml/2006/main" xmlns:r="http://schemas.openxmlformats.org/officeDocument/2006/relationships" xmlns:p="http://schemas.openxmlformats.org/presentationml/2006/main">
+  <p:cSld>
+    <p:spTree>
+      <p:nvGrpSpPr>
+        <p:cNvPr id="1" name=""/>
+        <p:cNvGrpSpPr/>
+        <p:nvPr/>
+      </p:nvGrpSpPr>
+      <p:grpSpPr>
+        <a:xfrm>
+          <a:off x="0" y="0"/>
+          <a:ext cx="0" cy="0"/>
+          <a:chOff x="0" y="0"/>
+          <a:chExt cx="0" cy="0"/>
+        </a:xfrm>
+      </p:grpSpPr>
+      <p:sp>
+        <p:nvSpPr>
+          <p:cNvPr id="2" name="Title 1"/>
+          <p:cNvSpPr>
+            <a:spLocks noGrp="1"/>
+          </p:cNvSpPr>
+          <p:nvPr>
+            <p:ph type="title"/>
+          </p:nvPr>
+        </p:nvSpPr>
+        <p:spPr/>
+        <p:txBody>
+          <a:bodyPr/>
+          <a:lstStyle/>
+          <a:p>
+            <a:r>
+              <a:rPr lang="en-US" dirty="0" smtClean="0"/>
+              <a:t>Easy On and Off</a:t>
+            </a:r>
+            <a:endParaRPr lang="en-US" dirty="0"/>
+          </a:p>
+        </p:txBody>
+      </p:sp>
+      <p:pic>
+        <p:nvPicPr>
+          <p:cNvPr id="6" name="Content Placeholder 5"/>
+          <p:cNvPicPr>
+            <a:picLocks noGrp="1" noChangeAspect="1"/>
+          </p:cNvPicPr>
+          <p:nvPr>
+            <p:ph idx="1"/>
+          </p:nvPr>
+        </p:nvPicPr>
+        <p:blipFill rotWithShape="1">
+          <a:blip r:embed="rId2" cstate="print">
+            <a:extLst>
+              <a:ext uri="{28A0092B-C50C-407E-A947-70E740481C1C}">
+                <a14:useLocalDpi xmlns:a14="http://schemas.microsoft.com/office/drawing/2010/main" val="0"/>
+              </a:ext>
+            </a:extLst>
+          </a:blip>
+          <a:srcRect l="34274" t="2315" r="21574"/>
+          <a:stretch/>
+        </p:blipFill>
+        <p:spPr>
+          <a:xfrm>
+            <a:off x="5551344" y="1524318"/>
+            <a:ext cx="2906039" cy="4272311"/>
+          </a:xfrm>
+        </p:spPr>
+      </p:pic>
+      <p:sp>
+        <p:nvSpPr>
+          <p:cNvPr id="4" name="Footer Placeholder 3"/>
+          <p:cNvSpPr>
+            <a:spLocks noGrp="1"/>
+          </p:cNvSpPr>
+          <p:nvPr>
+            <p:ph type="ftr" sz="quarter" idx="11"/>
+          </p:nvPr>
+        </p:nvSpPr>
+        <p:spPr/>
+        <p:txBody>
+          <a:bodyPr/>
+          <a:lstStyle/>
+          <a:p>
+            <a:r>
+              <a:rPr lang="sk-SK" smtClean="0"/>
+              <a:t>© 2016 EV3Lessons.com, Last Edit 7/04/2016</a:t>
+            </a:r>
+            <a:endParaRPr lang="en-US"/>
+          </a:p>
+        </p:txBody>
+      </p:sp>
+      <p:sp>
+        <p:nvSpPr>
+          <p:cNvPr id="5" name="Slide Number Placeholder 4"/>
+          <p:cNvSpPr>
+            <a:spLocks noGrp="1"/>
+          </p:cNvSpPr>
+          <p:nvPr>
+            <p:ph type="sldNum" sz="quarter" idx="12"/>
+          </p:nvPr>
+        </p:nvSpPr>
+        <p:spPr/>
+        <p:txBody>
+          <a:bodyPr/>
+          <a:lstStyle/>
+          <a:p>
+            <a:fld id="{4DBC7FC8-25FB-FC45-8177-2B991DA6778C}" type="slidenum">
+              <a:rPr lang="en-US" smtClean="0"/>
+              <a:t>5</a:t>
+            </a:fld>
+            <a:endParaRPr lang="en-US" dirty="0"/>
+          </a:p>
+        </p:txBody>
+      </p:sp>
+      <p:sp>
+        <p:nvSpPr>
+          <p:cNvPr id="7" name="TextBox 6"/>
+          <p:cNvSpPr txBox="1"/>
+          <p:nvPr/>
+        </p:nvSpPr>
+        <p:spPr>
+          <a:xfrm>
+            <a:off x="638827" y="1524318"/>
+            <a:ext cx="3457184" cy="3785652"/>
+          </a:xfrm>
+          <a:prstGeom prst="rect">
+            <a:avLst/>
+          </a:prstGeom>
+          <a:noFill/>
+        </p:spPr>
+        <p:txBody>
+          <a:bodyPr wrap="square" rtlCol="0">
+            <a:spAutoFit/>
+          </a:bodyPr>
+          <a:lstStyle/>
+          <a:p>
+            <a:pPr marL="285750" indent="-285750">
+              <a:buFont typeface="Arial" charset="0"/>
+              <a:buChar char="•"/>
+            </a:pPr>
+            <a:r>
+              <a:rPr lang="en-US" sz="2400" dirty="0" smtClean="0"/>
+              <a:t>Create attachments that go on and off the robot easily</a:t>
+            </a:r>
+          </a:p>
+          <a:p>
+            <a:pPr marL="285750" indent="-285750">
+              <a:buFont typeface="Arial" charset="0"/>
+              <a:buChar char="•"/>
+            </a:pPr>
+            <a:r>
+              <a:rPr lang="en-US" sz="2400" dirty="0" smtClean="0"/>
+              <a:t>In the image on the right, the attachments connect to the robot only using the three axels you see protruding off the top beam</a:t>
+            </a:r>
+            <a:endParaRPr lang="en-US" sz="2400" dirty="0"/>
+          </a:p>
+        </p:txBody>
+      </p:sp>
+    </p:spTree>
+    <p:extLst>
+      <p:ext uri="{BB962C8B-B14F-4D97-AF65-F5344CB8AC3E}">
+        <p14:creationId xmlns:p14="http://schemas.microsoft.com/office/powerpoint/2010/main" val="1567894738"/>
+      </p:ext>
+    </p:extLst>
+  </p:cSld>
+  <p:clrMapOvr>
+    <a:masterClrMapping/>
+  </p:clrMapOvr>
+</p:sld>
+</file>
+
+<file path=ppt/slides/slide6.xml><?xml version="1.0" encoding="utf-8"?>
+<p:sld xmlns:a="http://schemas.openxmlformats.org/drawingml/2006/main" xmlns:r="http://schemas.openxmlformats.org/officeDocument/2006/relationships" xmlns:p="http://schemas.openxmlformats.org/presentationml/2006/main">
+  <p:cSld>
+    <p:spTree>
+      <p:nvGrpSpPr>
+        <p:cNvPr id="1" name=""/>
+        <p:cNvGrpSpPr/>
+        <p:nvPr/>
+      </p:nvGrpSpPr>
+      <p:grpSpPr>
+        <a:xfrm>
+          <a:off x="0" y="0"/>
+          <a:ext cx="0" cy="0"/>
+          <a:chOff x="0" y="0"/>
+          <a:chExt cx="0" cy="0"/>
+        </a:xfrm>
+      </p:grpSpPr>
+      <p:sp>
+        <p:nvSpPr>
+          <p:cNvPr id="2" name="Title 1"/>
+          <p:cNvSpPr>
+            <a:spLocks noGrp="1"/>
+          </p:cNvSpPr>
+          <p:nvPr>
+            <p:ph type="title"/>
+          </p:nvPr>
+        </p:nvSpPr>
+        <p:spPr/>
+        <p:txBody>
+          <a:bodyPr/>
+          <a:lstStyle/>
+          <a:p>
+            <a:r>
+              <a:rPr lang="en-US" dirty="0" smtClean="0"/>
+              <a:t>Create Attachments that can do multiple tasks</a:t>
+            </a:r>
+            <a:endParaRPr lang="en-US" dirty="0"/>
+          </a:p>
+        </p:txBody>
+      </p:sp>
+      <p:pic>
+        <p:nvPicPr>
+          <p:cNvPr id="6" name="Content Placeholder 5"/>
+          <p:cNvPicPr>
+            <a:picLocks noGrp="1" noChangeAspect="1"/>
+          </p:cNvPicPr>
+          <p:nvPr>
+            <p:ph idx="1"/>
+          </p:nvPr>
+        </p:nvPicPr>
+        <p:blipFill>
+          <a:blip r:embed="rId2" cstate="print">
+            <a:extLst>
+              <a:ext uri="{28A0092B-C50C-407E-A947-70E740481C1C}">
+                <a14:useLocalDpi xmlns:a14="http://schemas.microsoft.com/office/drawing/2010/main" val="0"/>
+              </a:ext>
+            </a:extLst>
+          </a:blip>
+          <a:stretch>
+            <a:fillRect/>
+          </a:stretch>
+        </p:blipFill>
+        <p:spPr>
+          <a:xfrm>
+            <a:off x="457198" y="1903956"/>
+            <a:ext cx="4198623" cy="2789964"/>
+          </a:xfrm>
+        </p:spPr>
+      </p:pic>
+      <p:sp>
+        <p:nvSpPr>
+          <p:cNvPr id="4" name="Footer Placeholder 3"/>
+          <p:cNvSpPr>
+            <a:spLocks noGrp="1"/>
+          </p:cNvSpPr>
+          <p:nvPr>
+            <p:ph type="ftr" sz="quarter" idx="11"/>
+          </p:nvPr>
+        </p:nvSpPr>
+        <p:spPr/>
+        <p:txBody>
+          <a:bodyPr/>
+          <a:lstStyle/>
+          <a:p>
+            <a:r>
+              <a:rPr lang="sk-SK" smtClean="0"/>
+              <a:t>© 2016 EV3Lessons.com, Last Edit 7/04/2016</a:t>
+            </a:r>
+            <a:endParaRPr lang="en-US"/>
+          </a:p>
+        </p:txBody>
+      </p:sp>
+      <p:sp>
+        <p:nvSpPr>
+          <p:cNvPr id="5" name="Slide Number Placeholder 4"/>
+          <p:cNvSpPr>
+            <a:spLocks noGrp="1"/>
+          </p:cNvSpPr>
+          <p:nvPr>
+            <p:ph type="sldNum" sz="quarter" idx="12"/>
+          </p:nvPr>
+        </p:nvSpPr>
+        <p:spPr/>
+        <p:txBody>
+          <a:bodyPr/>
+          <a:lstStyle/>
+          <a:p>
+            <a:fld id="{4DBC7FC8-25FB-FC45-8177-2B991DA6778C}" type="slidenum">
+              <a:rPr lang="en-US" smtClean="0"/>
+              <a:t>6</a:t>
+            </a:fld>
+            <a:endParaRPr lang="en-US" dirty="0"/>
+          </a:p>
+        </p:txBody>
+      </p:sp>
+      <p:sp>
+        <p:nvSpPr>
+          <p:cNvPr id="7" name="TextBox 6"/>
+          <p:cNvSpPr txBox="1"/>
+          <p:nvPr/>
+        </p:nvSpPr>
+        <p:spPr>
+          <a:xfrm>
+            <a:off x="4876800" y="1903956"/>
+            <a:ext cx="3490586" cy="2308324"/>
+          </a:xfrm>
+          <a:prstGeom prst="rect">
+            <a:avLst/>
+          </a:prstGeom>
+          <a:noFill/>
+        </p:spPr>
+        <p:txBody>
+          <a:bodyPr wrap="square" rtlCol="0">
+            <a:spAutoFit/>
+          </a:bodyPr>
+          <a:lstStyle/>
+          <a:p>
+            <a:pPr marL="285750" indent="-285750">
+              <a:buFont typeface="Arial" charset="0"/>
+              <a:buChar char="•"/>
+            </a:pPr>
+            <a:r>
+              <a:rPr lang="en-US" dirty="0" smtClean="0"/>
+              <a:t>Instead of having to switch attachments, the same attachments can perform multiple tasks</a:t>
+            </a:r>
+          </a:p>
+          <a:p>
+            <a:pPr marL="285750" indent="-285750">
+              <a:buFont typeface="Arial" charset="0"/>
+              <a:buChar char="•"/>
+            </a:pPr>
+            <a:r>
+              <a:rPr lang="en-US" dirty="0" smtClean="0"/>
+              <a:t>In the image on the left, the attachment hangs hoops and pushes a lever at the same time</a:t>
+            </a:r>
+            <a:endParaRPr lang="en-US" dirty="0"/>
+          </a:p>
+        </p:txBody>
+      </p:sp>
+    </p:spTree>
+    <p:extLst>
+      <p:ext uri="{BB962C8B-B14F-4D97-AF65-F5344CB8AC3E}">
+        <p14:creationId xmlns:p14="http://schemas.microsoft.com/office/powerpoint/2010/main" val="1285192505"/>
+      </p:ext>
+    </p:extLst>
+  </p:cSld>
+  <p:clrMapOvr>
+    <a:masterClrMapping/>
+  </p:clrMapOvr>
+</p:sld>
+</file>
+
+<file path=ppt/slides/slide7.xml><?xml version="1.0" encoding="utf-8"?>
+<p:sld xmlns:a="http://schemas.openxmlformats.org/drawingml/2006/main" xmlns:r="http://schemas.openxmlformats.org/officeDocument/2006/relationships" xmlns:p="http://schemas.openxmlformats.org/presentationml/2006/main">
+  <p:cSld>
+    <p:spTree>
+      <p:nvGrpSpPr>
+        <p:cNvPr id="1" name=""/>
+        <p:cNvGrpSpPr/>
+        <p:nvPr/>
+      </p:nvGrpSpPr>
+      <p:grpSpPr>
+        <a:xfrm>
+          <a:off x="0" y="0"/>
+          <a:ext cx="0" cy="0"/>
+          <a:chOff x="0" y="0"/>
+          <a:chExt cx="0" cy="0"/>
+        </a:xfrm>
+      </p:grpSpPr>
+      <p:sp>
+        <p:nvSpPr>
+          <p:cNvPr id="2" name="Title 1"/>
+          <p:cNvSpPr>
+            <a:spLocks noGrp="1"/>
+          </p:cNvSpPr>
+          <p:nvPr>
+            <p:ph type="title"/>
+          </p:nvPr>
+        </p:nvSpPr>
+        <p:spPr/>
+        <p:txBody>
+          <a:bodyPr/>
+          <a:lstStyle/>
+          <a:p>
+            <a:r>
+              <a:rPr lang="en-US" dirty="0" smtClean="0"/>
+              <a:t>Use Gravity – it’s free and easy</a:t>
+            </a:r>
+            <a:endParaRPr lang="en-US" dirty="0"/>
+          </a:p>
+        </p:txBody>
+      </p:sp>
+      <p:pic>
+        <p:nvPicPr>
+          <p:cNvPr id="6" name="Content Placeholder 5"/>
+          <p:cNvPicPr>
+            <a:picLocks noGrp="1" noChangeAspect="1"/>
+          </p:cNvPicPr>
+          <p:nvPr>
+            <p:ph idx="1"/>
+          </p:nvPr>
+        </p:nvPicPr>
+        <p:blipFill rotWithShape="1">
+          <a:blip r:embed="rId2" cstate="print">
+            <a:extLst>
+              <a:ext uri="{28A0092B-C50C-407E-A947-70E740481C1C}">
+                <a14:useLocalDpi xmlns:a14="http://schemas.microsoft.com/office/drawing/2010/main" val="0"/>
+              </a:ext>
+            </a:extLst>
+          </a:blip>
+          <a:srcRect l="17008" r="19709"/>
+          <a:stretch/>
+        </p:blipFill>
+        <p:spPr>
+          <a:xfrm>
+            <a:off x="4693920" y="1911556"/>
+            <a:ext cx="3763463" cy="3951840"/>
+          </a:xfrm>
+        </p:spPr>
+      </p:pic>
+      <p:sp>
+        <p:nvSpPr>
+          <p:cNvPr id="4" name="Footer Placeholder 3"/>
+          <p:cNvSpPr>
+            <a:spLocks noGrp="1"/>
+          </p:cNvSpPr>
+          <p:nvPr>
+            <p:ph type="ftr" sz="quarter" idx="11"/>
+          </p:nvPr>
+        </p:nvSpPr>
+        <p:spPr/>
+        <p:txBody>
+          <a:bodyPr/>
+          <a:lstStyle/>
+          <a:p>
+            <a:r>
+              <a:rPr lang="sk-SK" smtClean="0"/>
+              <a:t>© 2016 EV3Lessons.com, Last Edit 7/04/2016</a:t>
+            </a:r>
+            <a:endParaRPr lang="en-US"/>
+          </a:p>
+        </p:txBody>
+      </p:sp>
+      <p:sp>
+        <p:nvSpPr>
+          <p:cNvPr id="5" name="Slide Number Placeholder 4"/>
+          <p:cNvSpPr>
+            <a:spLocks noGrp="1"/>
+          </p:cNvSpPr>
+          <p:nvPr>
+            <p:ph type="sldNum" sz="quarter" idx="12"/>
+          </p:nvPr>
+        </p:nvSpPr>
+        <p:spPr/>
+        <p:txBody>
+          <a:bodyPr/>
+          <a:lstStyle/>
+          <a:p>
+            <a:fld id="{4DBC7FC8-25FB-FC45-8177-2B991DA6778C}" type="slidenum">
+              <a:rPr lang="en-US" smtClean="0"/>
+              <a:t>7</a:t>
+            </a:fld>
+            <a:endParaRPr lang="en-US" dirty="0"/>
+          </a:p>
+        </p:txBody>
+      </p:sp>
+      <p:sp>
+        <p:nvSpPr>
+          <p:cNvPr id="7" name="TextBox 6"/>
+          <p:cNvSpPr txBox="1"/>
+          <p:nvPr/>
+        </p:nvSpPr>
+        <p:spPr>
+          <a:xfrm>
+            <a:off x="457199" y="1869440"/>
+            <a:ext cx="3490586" cy="1200329"/>
+          </a:xfrm>
+          <a:prstGeom prst="rect">
+            <a:avLst/>
+          </a:prstGeom>
+          <a:noFill/>
+        </p:spPr>
+        <p:txBody>
+          <a:bodyPr wrap="square" rtlCol="0">
+            <a:spAutoFit/>
+          </a:bodyPr>
+          <a:lstStyle/>
+          <a:p>
+            <a:pPr marL="285750" indent="-285750">
+              <a:buFont typeface="Arial" charset="0"/>
+              <a:buChar char="•"/>
+            </a:pPr>
+            <a:r>
+              <a:rPr lang="en-US" dirty="0" smtClean="0"/>
+              <a:t>Gravity can be your friend</a:t>
+            </a:r>
+          </a:p>
+          <a:p>
+            <a:pPr marL="285750" indent="-285750">
+              <a:buFont typeface="Arial" charset="0"/>
+              <a:buChar char="•"/>
+            </a:pPr>
+            <a:r>
+              <a:rPr lang="en-US" dirty="0" smtClean="0"/>
+              <a:t>In the image on the right, the arm drops when the robot moves due to gravity</a:t>
+            </a:r>
+            <a:endParaRPr lang="en-US" dirty="0"/>
+          </a:p>
+        </p:txBody>
+      </p:sp>
+    </p:spTree>
+    <p:extLst>
+      <p:ext uri="{BB962C8B-B14F-4D97-AF65-F5344CB8AC3E}">
+        <p14:creationId xmlns:p14="http://schemas.microsoft.com/office/powerpoint/2010/main" val="1952765088"/>
+      </p:ext>
+    </p:extLst>
+  </p:cSld>
+  <p:clrMapOvr>
+    <a:masterClrMapping/>
+  </p:clrMapOvr>
+</p:sld>
+</file>
+
+<file path=ppt/slides/slide8.xml><?xml version="1.0" encoding="utf-8"?>
+<p:sld xmlns:a="http://schemas.openxmlformats.org/drawingml/2006/main" xmlns:r="http://schemas.openxmlformats.org/officeDocument/2006/relationships" xmlns:p="http://schemas.openxmlformats.org/presentationml/2006/main">
+  <p:cSld>
+    <p:spTree>
+      <p:nvGrpSpPr>
+        <p:cNvPr id="1" name=""/>
+        <p:cNvGrpSpPr/>
+        <p:nvPr/>
+      </p:nvGrpSpPr>
+      <p:grpSpPr>
+        <a:xfrm>
+          <a:off x="0" y="0"/>
+          <a:ext cx="0" cy="0"/>
+          <a:chOff x="0" y="0"/>
+          <a:chExt cx="0" cy="0"/>
+        </a:xfrm>
+      </p:grpSpPr>
+      <p:sp>
+        <p:nvSpPr>
+          <p:cNvPr id="2" name="Title 1"/>
+          <p:cNvSpPr>
+            <a:spLocks noGrp="1"/>
+          </p:cNvSpPr>
+          <p:nvPr>
+            <p:ph type="title"/>
+          </p:nvPr>
+        </p:nvSpPr>
+        <p:spPr/>
+        <p:txBody>
+          <a:bodyPr/>
+          <a:lstStyle/>
+          <a:p>
+            <a:r>
+              <a:rPr lang="en-US" dirty="0" smtClean="0"/>
+              <a:t>NO MOTOR, NO PROBLEM</a:t>
+            </a:r>
+            <a:endParaRPr lang="en-US" dirty="0"/>
+          </a:p>
+        </p:txBody>
+      </p:sp>
+      <p:pic>
+        <p:nvPicPr>
+          <p:cNvPr id="6" name="Content Placeholder 5"/>
+          <p:cNvPicPr>
+            <a:picLocks noGrp="1" noChangeAspect="1"/>
+          </p:cNvPicPr>
+          <p:nvPr>
+            <p:ph idx="1"/>
+          </p:nvPr>
+        </p:nvPicPr>
+        <p:blipFill rotWithShape="1">
+          <a:blip r:embed="rId2" cstate="print">
+            <a:extLst>
+              <a:ext uri="{28A0092B-C50C-407E-A947-70E740481C1C}">
+                <a14:useLocalDpi xmlns:a14="http://schemas.microsoft.com/office/drawing/2010/main" val="0"/>
+              </a:ext>
+            </a:extLst>
+          </a:blip>
+          <a:srcRect l="15508" t="19399" r="35899"/>
+          <a:stretch/>
+        </p:blipFill>
+        <p:spPr>
+          <a:xfrm>
+            <a:off x="5673543" y="1272731"/>
+            <a:ext cx="2126883" cy="2344229"/>
+          </a:xfrm>
+        </p:spPr>
+      </p:pic>
+      <p:sp>
+        <p:nvSpPr>
+          <p:cNvPr id="4" name="Footer Placeholder 3"/>
+          <p:cNvSpPr>
+            <a:spLocks noGrp="1"/>
+          </p:cNvSpPr>
+          <p:nvPr>
+            <p:ph type="ftr" sz="quarter" idx="11"/>
+          </p:nvPr>
+        </p:nvSpPr>
+        <p:spPr/>
+        <p:txBody>
+          <a:bodyPr/>
+          <a:lstStyle/>
+          <a:p>
+            <a:r>
+              <a:rPr lang="sk-SK" smtClean="0"/>
+              <a:t>© 2016 EV3Lessons.com, Last Edit 7/04/2016</a:t>
+            </a:r>
+            <a:endParaRPr lang="en-US"/>
+          </a:p>
+        </p:txBody>
+      </p:sp>
+      <p:sp>
+        <p:nvSpPr>
+          <p:cNvPr id="5" name="Slide Number Placeholder 4"/>
+          <p:cNvSpPr>
+            <a:spLocks noGrp="1"/>
+          </p:cNvSpPr>
+          <p:nvPr>
+            <p:ph type="sldNum" sz="quarter" idx="12"/>
+          </p:nvPr>
+        </p:nvSpPr>
+        <p:spPr/>
+        <p:txBody>
+          <a:bodyPr/>
+          <a:lstStyle/>
+          <a:p>
+            <a:fld id="{4DBC7FC8-25FB-FC45-8177-2B991DA6778C}" type="slidenum">
+              <a:rPr lang="en-US" smtClean="0"/>
+              <a:t>8</a:t>
+            </a:fld>
+            <a:endParaRPr lang="en-US" dirty="0"/>
+          </a:p>
+        </p:txBody>
+      </p:sp>
+      <p:sp>
+        <p:nvSpPr>
+          <p:cNvPr id="7" name="TextBox 6"/>
+          <p:cNvSpPr txBox="1"/>
+          <p:nvPr/>
+        </p:nvSpPr>
+        <p:spPr>
+          <a:xfrm>
+            <a:off x="457198" y="1272731"/>
+            <a:ext cx="4521201" cy="1938992"/>
+          </a:xfrm>
+          <a:prstGeom prst="rect">
+            <a:avLst/>
+          </a:prstGeom>
+          <a:noFill/>
+        </p:spPr>
+        <p:txBody>
+          <a:bodyPr wrap="square" rtlCol="0">
+            <a:spAutoFit/>
+          </a:bodyPr>
+          <a:lstStyle/>
+          <a:p>
+            <a:pPr marL="285750" indent="-285750">
+              <a:buFont typeface="Arial" charset="0"/>
+              <a:buChar char="•"/>
+            </a:pPr>
+            <a:r>
+              <a:rPr lang="en-US" sz="2400" dirty="0" smtClean="0"/>
+              <a:t>You don’t always have to use a motor</a:t>
+            </a:r>
+          </a:p>
+          <a:p>
+            <a:pPr marL="285750" indent="-285750">
+              <a:buFont typeface="Arial" charset="0"/>
+              <a:buChar char="•"/>
+            </a:pPr>
+            <a:r>
+              <a:rPr lang="en-US" sz="2400" dirty="0" smtClean="0"/>
+              <a:t>You can use numerous passive mechanisms from </a:t>
+            </a:r>
+            <a:r>
+              <a:rPr lang="en-US" sz="2400" dirty="0" smtClean="0"/>
+              <a:t>carabineers </a:t>
+            </a:r>
+            <a:r>
+              <a:rPr lang="en-US" sz="2400" dirty="0" smtClean="0"/>
+              <a:t>to one-way gates</a:t>
+            </a:r>
+            <a:endParaRPr lang="en-US" sz="2400" dirty="0"/>
+          </a:p>
+        </p:txBody>
+      </p:sp>
+      <p:pic>
+        <p:nvPicPr>
+          <p:cNvPr id="8" name="Picture 7"/>
+          <p:cNvPicPr>
+            <a:picLocks noChangeAspect="1"/>
+          </p:cNvPicPr>
+          <p:nvPr/>
+        </p:nvPicPr>
+        <p:blipFill rotWithShape="1">
+          <a:blip r:embed="rId3">
+            <a:extLst>
+              <a:ext uri="{28A0092B-C50C-407E-A947-70E740481C1C}">
+                <a14:useLocalDpi xmlns:a14="http://schemas.microsoft.com/office/drawing/2010/main" val="0"/>
+              </a:ext>
+            </a:extLst>
+          </a:blip>
+          <a:srcRect l="22640" t="40548" r="28266" b="25662"/>
+          <a:stretch/>
+        </p:blipFill>
+        <p:spPr>
+          <a:xfrm>
+            <a:off x="5320385" y="4037234"/>
+            <a:ext cx="2833197" cy="1845569"/>
+          </a:xfrm>
+          <a:prstGeom prst="rect">
+            <a:avLst/>
+          </a:prstGeom>
+        </p:spPr>
+      </p:pic>
+      <p:pic>
+        <p:nvPicPr>
+          <p:cNvPr id="9" name="Picture 8"/>
+          <p:cNvPicPr>
+            <a:picLocks noChangeAspect="1"/>
+          </p:cNvPicPr>
+          <p:nvPr/>
+        </p:nvPicPr>
+        <p:blipFill rotWithShape="1">
+          <a:blip r:embed="rId4">
+            <a:extLst>
+              <a:ext uri="{28A0092B-C50C-407E-A947-70E740481C1C}">
+                <a14:useLocalDpi xmlns:a14="http://schemas.microsoft.com/office/drawing/2010/main" val="0"/>
+              </a:ext>
+            </a:extLst>
+          </a:blip>
+          <a:srcRect l="22813" t="29954" r="25501" b="32420"/>
+          <a:stretch/>
+        </p:blipFill>
+        <p:spPr>
+          <a:xfrm>
+            <a:off x="1283239" y="3906086"/>
+            <a:ext cx="2869118" cy="1976717"/>
+          </a:xfrm>
+          <a:prstGeom prst="rect">
+            <a:avLst/>
+          </a:prstGeom>
+        </p:spPr>
+      </p:pic>
+    </p:spTree>
+    <p:extLst>
+      <p:ext uri="{BB962C8B-B14F-4D97-AF65-F5344CB8AC3E}">
+        <p14:creationId xmlns:p14="http://schemas.microsoft.com/office/powerpoint/2010/main" val="316332543"/>
+      </p:ext>
+    </p:extLst>
+  </p:cSld>
+  <p:clrMapOvr>
+    <a:masterClrMapping/>
+  </p:clrMapOvr>
+</p:sld>
+</file>
+
+<file path=ppt/slides/slide9.xml><?xml version="1.0" encoding="utf-8"?>
+<p:sld xmlns:a="http://schemas.openxmlformats.org/drawingml/2006/main" xmlns:r="http://schemas.openxmlformats.org/officeDocument/2006/relationships" xmlns:p="http://schemas.openxmlformats.org/presentationml/2006/main">
+  <p:cSld>
+    <p:spTree>
+      <p:nvGrpSpPr>
+        <p:cNvPr id="1" name=""/>
+        <p:cNvGrpSpPr/>
+        <p:nvPr/>
+      </p:nvGrpSpPr>
+      <p:grpSpPr>
+        <a:xfrm>
+          <a:off x="0" y="0"/>
+          <a:ext cx="0" cy="0"/>
+          <a:chOff x="0" y="0"/>
+          <a:chExt cx="0" cy="0"/>
+        </a:xfrm>
+      </p:grpSpPr>
+      <p:sp>
+        <p:nvSpPr>
+          <p:cNvPr id="2" name="Title 1"/>
+          <p:cNvSpPr>
+            <a:spLocks noGrp="1"/>
+          </p:cNvSpPr>
+          <p:nvPr>
+            <p:ph type="title"/>
+          </p:nvPr>
+        </p:nvSpPr>
+        <p:spPr/>
+        <p:txBody>
+          <a:bodyPr/>
+          <a:lstStyle/>
+          <a:p>
+            <a:r>
+              <a:rPr lang="en-US" dirty="0" smtClean="0"/>
+              <a:t>RUBBER BANDS STORE ENERGY</a:t>
+            </a:r>
+            <a:endParaRPr lang="en-US" dirty="0"/>
+          </a:p>
+        </p:txBody>
+      </p:sp>
+      <p:pic>
+        <p:nvPicPr>
+          <p:cNvPr id="6" name="Content Placeholder 5"/>
+          <p:cNvPicPr>
+            <a:picLocks noGrp="1" noChangeAspect="1"/>
+          </p:cNvPicPr>
+          <p:nvPr>
+            <p:ph idx="1"/>
+          </p:nvPr>
+        </p:nvPicPr>
+        <p:blipFill rotWithShape="1">
+          <a:blip r:embed="rId2" cstate="print">
+            <a:extLst>
+              <a:ext uri="{28A0092B-C50C-407E-A947-70E740481C1C}">
+                <a14:useLocalDpi xmlns:a14="http://schemas.microsoft.com/office/drawing/2010/main" val="0"/>
+              </a:ext>
+            </a:extLst>
+          </a:blip>
+          <a:srcRect t="-652" r="27799" b="1"/>
+          <a:stretch/>
+        </p:blipFill>
+        <p:spPr>
+          <a:xfrm>
+            <a:off x="4742496" y="1841906"/>
+            <a:ext cx="3388749" cy="3139123"/>
+          </a:xfrm>
+        </p:spPr>
+      </p:pic>
+      <p:sp>
+        <p:nvSpPr>
+          <p:cNvPr id="4" name="Footer Placeholder 3"/>
+          <p:cNvSpPr>
+            <a:spLocks noGrp="1"/>
+          </p:cNvSpPr>
+          <p:nvPr>
+            <p:ph type="ftr" sz="quarter" idx="11"/>
+          </p:nvPr>
+        </p:nvSpPr>
+        <p:spPr/>
+        <p:txBody>
+          <a:bodyPr/>
+          <a:lstStyle/>
+          <a:p>
+            <a:r>
+              <a:rPr lang="sk-SK" smtClean="0"/>
+              <a:t>© 2016 EV3Lessons.com, Last Edit 7/04/2016</a:t>
+            </a:r>
+            <a:endParaRPr lang="en-US"/>
+          </a:p>
+        </p:txBody>
+      </p:sp>
+      <p:sp>
+        <p:nvSpPr>
+          <p:cNvPr id="5" name="Slide Number Placeholder 4"/>
+          <p:cNvSpPr>
+            <a:spLocks noGrp="1"/>
+          </p:cNvSpPr>
+          <p:nvPr>
+            <p:ph type="sldNum" sz="quarter" idx="12"/>
+          </p:nvPr>
+        </p:nvSpPr>
+        <p:spPr/>
+        <p:txBody>
+          <a:bodyPr/>
+          <a:lstStyle/>
+          <a:p>
+            <a:fld id="{4DBC7FC8-25FB-FC45-8177-2B991DA6778C}" type="slidenum">
+              <a:rPr lang="en-US" smtClean="0"/>
+              <a:t>9</a:t>
+            </a:fld>
+            <a:endParaRPr lang="en-US" dirty="0"/>
+          </a:p>
+        </p:txBody>
+      </p:sp>
+      <p:sp>
+        <p:nvSpPr>
+          <p:cNvPr id="7" name="TextBox 6"/>
+          <p:cNvSpPr txBox="1"/>
+          <p:nvPr/>
+        </p:nvSpPr>
+        <p:spPr>
+          <a:xfrm>
+            <a:off x="457198" y="2072639"/>
+            <a:ext cx="3429002" cy="2677656"/>
+          </a:xfrm>
+          <a:prstGeom prst="rect">
+            <a:avLst/>
+          </a:prstGeom>
+          <a:noFill/>
+        </p:spPr>
+        <p:txBody>
+          <a:bodyPr wrap="square" rtlCol="0">
+            <a:spAutoFit/>
+          </a:bodyPr>
+          <a:lstStyle/>
+          <a:p>
+            <a:pPr marL="285750" indent="-285750">
+              <a:buFont typeface="Arial" charset="0"/>
+              <a:buChar char="•"/>
+            </a:pPr>
+            <a:r>
+              <a:rPr lang="en-US" sz="2400" dirty="0" smtClean="0"/>
+              <a:t>Rubber bands are a great way of storing energy</a:t>
+            </a:r>
+          </a:p>
+          <a:p>
+            <a:pPr marL="285750" indent="-285750">
+              <a:buFont typeface="Arial" charset="0"/>
+              <a:buChar char="•"/>
+            </a:pPr>
+            <a:r>
+              <a:rPr lang="en-US" sz="2400" dirty="0" smtClean="0"/>
+              <a:t>They release quickly and can be used to lift up, pick up and even extend out</a:t>
+            </a:r>
+            <a:endParaRPr lang="en-US" sz="2400" dirty="0"/>
+          </a:p>
+        </p:txBody>
+      </p:sp>
+    </p:spTree>
+    <p:extLst>
+      <p:ext uri="{BB962C8B-B14F-4D97-AF65-F5344CB8AC3E}">
+        <p14:creationId xmlns:p14="http://schemas.microsoft.com/office/powerpoint/2010/main" val="438725495"/>
+      </p:ext>
+    </p:extLst>
+  </p:cSld>
+  <p:clrMapOvr>
+    <a:masterClrMapping/>
+  </p:clrMapOvr>
 </p:sld>
 </file>
 
